--- a/Humanoid_new/Project Task/Balancing on Platform/Plan of Action.pptx
+++ b/Humanoid_new/Project Task/Balancing on Platform/Plan of Action.pptx
@@ -135,7 +135,7 @@
           <p:cNvPr id="2" name="Title 1">
             <a:extLst>
               <a:ext uri="{FF2B5EF4-FFF2-40B4-BE49-F238E27FC236}">
-                <a16:creationId xmlns:a16="http://schemas.microsoft.com/office/drawing/2014/main" xmlns="" id="{20A81B81-B989-4B06-A3F7-01A724281FA3}"/>
+                <a16:creationId xmlns="" xmlns:a16="http://schemas.microsoft.com/office/drawing/2014/main" id="{20A81B81-B989-4B06-A3F7-01A724281FA3}"/>
               </a:ext>
             </a:extLst>
           </p:cNvPr>
@@ -173,7 +173,7 @@
           <p:cNvPr id="3" name="Subtitle 2">
             <a:extLst>
               <a:ext uri="{FF2B5EF4-FFF2-40B4-BE49-F238E27FC236}">
-                <a16:creationId xmlns:a16="http://schemas.microsoft.com/office/drawing/2014/main" xmlns="" id="{05D61C45-B7AC-4B72-8EEF-F6F3C23FB1F6}"/>
+                <a16:creationId xmlns="" xmlns:a16="http://schemas.microsoft.com/office/drawing/2014/main" id="{05D61C45-B7AC-4B72-8EEF-F6F3C23FB1F6}"/>
               </a:ext>
             </a:extLst>
           </p:cNvPr>
@@ -244,7 +244,7 @@
           <p:cNvPr id="4" name="Date Placeholder 3">
             <a:extLst>
               <a:ext uri="{FF2B5EF4-FFF2-40B4-BE49-F238E27FC236}">
-                <a16:creationId xmlns:a16="http://schemas.microsoft.com/office/drawing/2014/main" xmlns="" id="{0B2C340A-2851-40DA-9973-70CFB32E3D7E}"/>
+                <a16:creationId xmlns="" xmlns:a16="http://schemas.microsoft.com/office/drawing/2014/main" id="{0B2C340A-2851-40DA-9973-70CFB32E3D7E}"/>
               </a:ext>
             </a:extLst>
           </p:cNvPr>
@@ -262,7 +262,7 @@
           <a:p>
             <a:fld id="{DF41D088-6A28-42C2-AE72-730311422294}" type="datetimeFigureOut">
               <a:rPr lang="en-IN" smtClean="0"/>
-              <a:t>03-03-2018</a:t>
+              <a:t>05-03-2018</a:t>
             </a:fld>
             <a:endParaRPr lang="en-IN"/>
           </a:p>
@@ -273,7 +273,7 @@
           <p:cNvPr id="5" name="Footer Placeholder 4">
             <a:extLst>
               <a:ext uri="{FF2B5EF4-FFF2-40B4-BE49-F238E27FC236}">
-                <a16:creationId xmlns:a16="http://schemas.microsoft.com/office/drawing/2014/main" xmlns="" id="{F27D6B0D-734D-4145-9E60-2BF7BC0A4B3C}"/>
+                <a16:creationId xmlns="" xmlns:a16="http://schemas.microsoft.com/office/drawing/2014/main" id="{F27D6B0D-734D-4145-9E60-2BF7BC0A4B3C}"/>
               </a:ext>
             </a:extLst>
           </p:cNvPr>
@@ -298,7 +298,7 @@
           <p:cNvPr id="6" name="Slide Number Placeholder 5">
             <a:extLst>
               <a:ext uri="{FF2B5EF4-FFF2-40B4-BE49-F238E27FC236}">
-                <a16:creationId xmlns:a16="http://schemas.microsoft.com/office/drawing/2014/main" xmlns="" id="{44715ACB-A52F-4997-B036-26528438F10A}"/>
+                <a16:creationId xmlns="" xmlns:a16="http://schemas.microsoft.com/office/drawing/2014/main" id="{44715ACB-A52F-4997-B036-26528438F10A}"/>
               </a:ext>
             </a:extLst>
           </p:cNvPr>
@@ -357,7 +357,7 @@
           <p:cNvPr id="2" name="Title 1">
             <a:extLst>
               <a:ext uri="{FF2B5EF4-FFF2-40B4-BE49-F238E27FC236}">
-                <a16:creationId xmlns:a16="http://schemas.microsoft.com/office/drawing/2014/main" xmlns="" id="{F9497A52-6B90-4CD8-BD0A-C9E87228FB13}"/>
+                <a16:creationId xmlns="" xmlns:a16="http://schemas.microsoft.com/office/drawing/2014/main" id="{F9497A52-6B90-4CD8-BD0A-C9E87228FB13}"/>
               </a:ext>
             </a:extLst>
           </p:cNvPr>
@@ -386,7 +386,7 @@
           <p:cNvPr id="3" name="Vertical Text Placeholder 2">
             <a:extLst>
               <a:ext uri="{FF2B5EF4-FFF2-40B4-BE49-F238E27FC236}">
-                <a16:creationId xmlns:a16="http://schemas.microsoft.com/office/drawing/2014/main" xmlns="" id="{FF4C00AE-EC8B-4A2B-BBC7-1ECF361389F2}"/>
+                <a16:creationId xmlns="" xmlns:a16="http://schemas.microsoft.com/office/drawing/2014/main" id="{FF4C00AE-EC8B-4A2B-BBC7-1ECF361389F2}"/>
               </a:ext>
             </a:extLst>
           </p:cNvPr>
@@ -444,7 +444,7 @@
           <p:cNvPr id="4" name="Date Placeholder 3">
             <a:extLst>
               <a:ext uri="{FF2B5EF4-FFF2-40B4-BE49-F238E27FC236}">
-                <a16:creationId xmlns:a16="http://schemas.microsoft.com/office/drawing/2014/main" xmlns="" id="{DEEBE2CF-CDAD-4297-8C2A-2DA8ACAF7511}"/>
+                <a16:creationId xmlns="" xmlns:a16="http://schemas.microsoft.com/office/drawing/2014/main" id="{DEEBE2CF-CDAD-4297-8C2A-2DA8ACAF7511}"/>
               </a:ext>
             </a:extLst>
           </p:cNvPr>
@@ -462,7 +462,7 @@
           <a:p>
             <a:fld id="{DF41D088-6A28-42C2-AE72-730311422294}" type="datetimeFigureOut">
               <a:rPr lang="en-IN" smtClean="0"/>
-              <a:t>03-03-2018</a:t>
+              <a:t>05-03-2018</a:t>
             </a:fld>
             <a:endParaRPr lang="en-IN"/>
           </a:p>
@@ -473,7 +473,7 @@
           <p:cNvPr id="5" name="Footer Placeholder 4">
             <a:extLst>
               <a:ext uri="{FF2B5EF4-FFF2-40B4-BE49-F238E27FC236}">
-                <a16:creationId xmlns:a16="http://schemas.microsoft.com/office/drawing/2014/main" xmlns="" id="{FBEE139C-B2E9-4E80-BF3E-DA3BCF8DB690}"/>
+                <a16:creationId xmlns="" xmlns:a16="http://schemas.microsoft.com/office/drawing/2014/main" id="{FBEE139C-B2E9-4E80-BF3E-DA3BCF8DB690}"/>
               </a:ext>
             </a:extLst>
           </p:cNvPr>
@@ -498,7 +498,7 @@
           <p:cNvPr id="6" name="Slide Number Placeholder 5">
             <a:extLst>
               <a:ext uri="{FF2B5EF4-FFF2-40B4-BE49-F238E27FC236}">
-                <a16:creationId xmlns:a16="http://schemas.microsoft.com/office/drawing/2014/main" xmlns="" id="{1733CBBE-6D97-4667-9970-279F03A80675}"/>
+                <a16:creationId xmlns="" xmlns:a16="http://schemas.microsoft.com/office/drawing/2014/main" id="{1733CBBE-6D97-4667-9970-279F03A80675}"/>
               </a:ext>
             </a:extLst>
           </p:cNvPr>
@@ -557,7 +557,7 @@
           <p:cNvPr id="2" name="Vertical Title 1">
             <a:extLst>
               <a:ext uri="{FF2B5EF4-FFF2-40B4-BE49-F238E27FC236}">
-                <a16:creationId xmlns:a16="http://schemas.microsoft.com/office/drawing/2014/main" xmlns="" id="{9343B6D7-9082-469B-8808-72EA78A73EB5}"/>
+                <a16:creationId xmlns="" xmlns:a16="http://schemas.microsoft.com/office/drawing/2014/main" id="{9343B6D7-9082-469B-8808-72EA78A73EB5}"/>
               </a:ext>
             </a:extLst>
           </p:cNvPr>
@@ -591,7 +591,7 @@
           <p:cNvPr id="3" name="Vertical Text Placeholder 2">
             <a:extLst>
               <a:ext uri="{FF2B5EF4-FFF2-40B4-BE49-F238E27FC236}">
-                <a16:creationId xmlns:a16="http://schemas.microsoft.com/office/drawing/2014/main" xmlns="" id="{814CAB5A-EE60-4056-B86F-090AADCA348C}"/>
+                <a16:creationId xmlns="" xmlns:a16="http://schemas.microsoft.com/office/drawing/2014/main" id="{814CAB5A-EE60-4056-B86F-090AADCA348C}"/>
               </a:ext>
             </a:extLst>
           </p:cNvPr>
@@ -654,7 +654,7 @@
           <p:cNvPr id="4" name="Date Placeholder 3">
             <a:extLst>
               <a:ext uri="{FF2B5EF4-FFF2-40B4-BE49-F238E27FC236}">
-                <a16:creationId xmlns:a16="http://schemas.microsoft.com/office/drawing/2014/main" xmlns="" id="{7ED72012-0210-4F1C-99A6-44079FD96D94}"/>
+                <a16:creationId xmlns="" xmlns:a16="http://schemas.microsoft.com/office/drawing/2014/main" id="{7ED72012-0210-4F1C-99A6-44079FD96D94}"/>
               </a:ext>
             </a:extLst>
           </p:cNvPr>
@@ -672,7 +672,7 @@
           <a:p>
             <a:fld id="{DF41D088-6A28-42C2-AE72-730311422294}" type="datetimeFigureOut">
               <a:rPr lang="en-IN" smtClean="0"/>
-              <a:t>03-03-2018</a:t>
+              <a:t>05-03-2018</a:t>
             </a:fld>
             <a:endParaRPr lang="en-IN"/>
           </a:p>
@@ -683,7 +683,7 @@
           <p:cNvPr id="5" name="Footer Placeholder 4">
             <a:extLst>
               <a:ext uri="{FF2B5EF4-FFF2-40B4-BE49-F238E27FC236}">
-                <a16:creationId xmlns:a16="http://schemas.microsoft.com/office/drawing/2014/main" xmlns="" id="{34D0CC03-FD79-4704-BF84-3DF7CE9B0CF7}"/>
+                <a16:creationId xmlns="" xmlns:a16="http://schemas.microsoft.com/office/drawing/2014/main" id="{34D0CC03-FD79-4704-BF84-3DF7CE9B0CF7}"/>
               </a:ext>
             </a:extLst>
           </p:cNvPr>
@@ -708,7 +708,7 @@
           <p:cNvPr id="6" name="Slide Number Placeholder 5">
             <a:extLst>
               <a:ext uri="{FF2B5EF4-FFF2-40B4-BE49-F238E27FC236}">
-                <a16:creationId xmlns:a16="http://schemas.microsoft.com/office/drawing/2014/main" xmlns="" id="{C7B77E8B-6748-4166-B773-F63C962C52C6}"/>
+                <a16:creationId xmlns="" xmlns:a16="http://schemas.microsoft.com/office/drawing/2014/main" id="{C7B77E8B-6748-4166-B773-F63C962C52C6}"/>
               </a:ext>
             </a:extLst>
           </p:cNvPr>
@@ -767,7 +767,7 @@
           <p:cNvPr id="2" name="Title 1">
             <a:extLst>
               <a:ext uri="{FF2B5EF4-FFF2-40B4-BE49-F238E27FC236}">
-                <a16:creationId xmlns:a16="http://schemas.microsoft.com/office/drawing/2014/main" xmlns="" id="{8D2DC79B-C518-4710-8AE6-7C3C400A0EDC}"/>
+                <a16:creationId xmlns="" xmlns:a16="http://schemas.microsoft.com/office/drawing/2014/main" id="{8D2DC79B-C518-4710-8AE6-7C3C400A0EDC}"/>
               </a:ext>
             </a:extLst>
           </p:cNvPr>
@@ -796,7 +796,7 @@
           <p:cNvPr id="3" name="Content Placeholder 2">
             <a:extLst>
               <a:ext uri="{FF2B5EF4-FFF2-40B4-BE49-F238E27FC236}">
-                <a16:creationId xmlns:a16="http://schemas.microsoft.com/office/drawing/2014/main" xmlns="" id="{69EE6DD2-D965-490C-84B0-5EFBB0A37E15}"/>
+                <a16:creationId xmlns="" xmlns:a16="http://schemas.microsoft.com/office/drawing/2014/main" id="{69EE6DD2-D965-490C-84B0-5EFBB0A37E15}"/>
               </a:ext>
             </a:extLst>
           </p:cNvPr>
@@ -854,7 +854,7 @@
           <p:cNvPr id="4" name="Date Placeholder 3">
             <a:extLst>
               <a:ext uri="{FF2B5EF4-FFF2-40B4-BE49-F238E27FC236}">
-                <a16:creationId xmlns:a16="http://schemas.microsoft.com/office/drawing/2014/main" xmlns="" id="{4C1136AA-F352-4622-A828-89A08F45CA21}"/>
+                <a16:creationId xmlns="" xmlns:a16="http://schemas.microsoft.com/office/drawing/2014/main" id="{4C1136AA-F352-4622-A828-89A08F45CA21}"/>
               </a:ext>
             </a:extLst>
           </p:cNvPr>
@@ -872,7 +872,7 @@
           <a:p>
             <a:fld id="{DF41D088-6A28-42C2-AE72-730311422294}" type="datetimeFigureOut">
               <a:rPr lang="en-IN" smtClean="0"/>
-              <a:t>03-03-2018</a:t>
+              <a:t>05-03-2018</a:t>
             </a:fld>
             <a:endParaRPr lang="en-IN"/>
           </a:p>
@@ -883,7 +883,7 @@
           <p:cNvPr id="5" name="Footer Placeholder 4">
             <a:extLst>
               <a:ext uri="{FF2B5EF4-FFF2-40B4-BE49-F238E27FC236}">
-                <a16:creationId xmlns:a16="http://schemas.microsoft.com/office/drawing/2014/main" xmlns="" id="{6D9D5A01-0C72-4E70-B8A0-5D4E81FCE23D}"/>
+                <a16:creationId xmlns="" xmlns:a16="http://schemas.microsoft.com/office/drawing/2014/main" id="{6D9D5A01-0C72-4E70-B8A0-5D4E81FCE23D}"/>
               </a:ext>
             </a:extLst>
           </p:cNvPr>
@@ -908,7 +908,7 @@
           <p:cNvPr id="6" name="Slide Number Placeholder 5">
             <a:extLst>
               <a:ext uri="{FF2B5EF4-FFF2-40B4-BE49-F238E27FC236}">
-                <a16:creationId xmlns:a16="http://schemas.microsoft.com/office/drawing/2014/main" xmlns="" id="{0A043CD3-A620-4DD6-AC2A-B225ABA54437}"/>
+                <a16:creationId xmlns="" xmlns:a16="http://schemas.microsoft.com/office/drawing/2014/main" id="{0A043CD3-A620-4DD6-AC2A-B225ABA54437}"/>
               </a:ext>
             </a:extLst>
           </p:cNvPr>
@@ -967,7 +967,7 @@
           <p:cNvPr id="2" name="Title 1">
             <a:extLst>
               <a:ext uri="{FF2B5EF4-FFF2-40B4-BE49-F238E27FC236}">
-                <a16:creationId xmlns:a16="http://schemas.microsoft.com/office/drawing/2014/main" xmlns="" id="{C70C73F8-9A3C-4006-9DA8-B59A1A0C34A2}"/>
+                <a16:creationId xmlns="" xmlns:a16="http://schemas.microsoft.com/office/drawing/2014/main" id="{C70C73F8-9A3C-4006-9DA8-B59A1A0C34A2}"/>
               </a:ext>
             </a:extLst>
           </p:cNvPr>
@@ -1005,7 +1005,7 @@
           <p:cNvPr id="3" name="Text Placeholder 2">
             <a:extLst>
               <a:ext uri="{FF2B5EF4-FFF2-40B4-BE49-F238E27FC236}">
-                <a16:creationId xmlns:a16="http://schemas.microsoft.com/office/drawing/2014/main" xmlns="" id="{FD51DCBC-71BD-4693-904E-9378D132DA5D}"/>
+                <a16:creationId xmlns="" xmlns:a16="http://schemas.microsoft.com/office/drawing/2014/main" id="{FD51DCBC-71BD-4693-904E-9378D132DA5D}"/>
               </a:ext>
             </a:extLst>
           </p:cNvPr>
@@ -1130,7 +1130,7 @@
           <p:cNvPr id="4" name="Date Placeholder 3">
             <a:extLst>
               <a:ext uri="{FF2B5EF4-FFF2-40B4-BE49-F238E27FC236}">
-                <a16:creationId xmlns:a16="http://schemas.microsoft.com/office/drawing/2014/main" xmlns="" id="{AF9CB302-2FDA-4024-8677-B8A4C37129E2}"/>
+                <a16:creationId xmlns="" xmlns:a16="http://schemas.microsoft.com/office/drawing/2014/main" id="{AF9CB302-2FDA-4024-8677-B8A4C37129E2}"/>
               </a:ext>
             </a:extLst>
           </p:cNvPr>
@@ -1148,7 +1148,7 @@
           <a:p>
             <a:fld id="{DF41D088-6A28-42C2-AE72-730311422294}" type="datetimeFigureOut">
               <a:rPr lang="en-IN" smtClean="0"/>
-              <a:t>03-03-2018</a:t>
+              <a:t>05-03-2018</a:t>
             </a:fld>
             <a:endParaRPr lang="en-IN"/>
           </a:p>
@@ -1159,7 +1159,7 @@
           <p:cNvPr id="5" name="Footer Placeholder 4">
             <a:extLst>
               <a:ext uri="{FF2B5EF4-FFF2-40B4-BE49-F238E27FC236}">
-                <a16:creationId xmlns:a16="http://schemas.microsoft.com/office/drawing/2014/main" xmlns="" id="{E6EF06BA-01F3-458D-9E50-8D26C3E31AEB}"/>
+                <a16:creationId xmlns="" xmlns:a16="http://schemas.microsoft.com/office/drawing/2014/main" id="{E6EF06BA-01F3-458D-9E50-8D26C3E31AEB}"/>
               </a:ext>
             </a:extLst>
           </p:cNvPr>
@@ -1184,7 +1184,7 @@
           <p:cNvPr id="6" name="Slide Number Placeholder 5">
             <a:extLst>
               <a:ext uri="{FF2B5EF4-FFF2-40B4-BE49-F238E27FC236}">
-                <a16:creationId xmlns:a16="http://schemas.microsoft.com/office/drawing/2014/main" xmlns="" id="{034FDBEA-77C2-4503-8E81-C67B314EA6AA}"/>
+                <a16:creationId xmlns="" xmlns:a16="http://schemas.microsoft.com/office/drawing/2014/main" id="{034FDBEA-77C2-4503-8E81-C67B314EA6AA}"/>
               </a:ext>
             </a:extLst>
           </p:cNvPr>
@@ -1243,7 +1243,7 @@
           <p:cNvPr id="2" name="Title 1">
             <a:extLst>
               <a:ext uri="{FF2B5EF4-FFF2-40B4-BE49-F238E27FC236}">
-                <a16:creationId xmlns:a16="http://schemas.microsoft.com/office/drawing/2014/main" xmlns="" id="{A54D80FB-5FDB-4946-ACC4-9CFAB769134B}"/>
+                <a16:creationId xmlns="" xmlns:a16="http://schemas.microsoft.com/office/drawing/2014/main" id="{A54D80FB-5FDB-4946-ACC4-9CFAB769134B}"/>
               </a:ext>
             </a:extLst>
           </p:cNvPr>
@@ -1272,7 +1272,7 @@
           <p:cNvPr id="3" name="Content Placeholder 2">
             <a:extLst>
               <a:ext uri="{FF2B5EF4-FFF2-40B4-BE49-F238E27FC236}">
-                <a16:creationId xmlns:a16="http://schemas.microsoft.com/office/drawing/2014/main" xmlns="" id="{4105901B-74A6-4308-A66F-178E1A254B38}"/>
+                <a16:creationId xmlns="" xmlns:a16="http://schemas.microsoft.com/office/drawing/2014/main" id="{4105901B-74A6-4308-A66F-178E1A254B38}"/>
               </a:ext>
             </a:extLst>
           </p:cNvPr>
@@ -1335,7 +1335,7 @@
           <p:cNvPr id="4" name="Content Placeholder 3">
             <a:extLst>
               <a:ext uri="{FF2B5EF4-FFF2-40B4-BE49-F238E27FC236}">
-                <a16:creationId xmlns:a16="http://schemas.microsoft.com/office/drawing/2014/main" xmlns="" id="{6FDCB326-85BA-40C2-A843-B6766C2D0BA7}"/>
+                <a16:creationId xmlns="" xmlns:a16="http://schemas.microsoft.com/office/drawing/2014/main" id="{6FDCB326-85BA-40C2-A843-B6766C2D0BA7}"/>
               </a:ext>
             </a:extLst>
           </p:cNvPr>
@@ -1398,7 +1398,7 @@
           <p:cNvPr id="5" name="Date Placeholder 4">
             <a:extLst>
               <a:ext uri="{FF2B5EF4-FFF2-40B4-BE49-F238E27FC236}">
-                <a16:creationId xmlns:a16="http://schemas.microsoft.com/office/drawing/2014/main" xmlns="" id="{FCFB93CF-751A-4093-B4D9-4C0F8CFB2106}"/>
+                <a16:creationId xmlns="" xmlns:a16="http://schemas.microsoft.com/office/drawing/2014/main" id="{FCFB93CF-751A-4093-B4D9-4C0F8CFB2106}"/>
               </a:ext>
             </a:extLst>
           </p:cNvPr>
@@ -1416,7 +1416,7 @@
           <a:p>
             <a:fld id="{DF41D088-6A28-42C2-AE72-730311422294}" type="datetimeFigureOut">
               <a:rPr lang="en-IN" smtClean="0"/>
-              <a:t>03-03-2018</a:t>
+              <a:t>05-03-2018</a:t>
             </a:fld>
             <a:endParaRPr lang="en-IN"/>
           </a:p>
@@ -1427,7 +1427,7 @@
           <p:cNvPr id="6" name="Footer Placeholder 5">
             <a:extLst>
               <a:ext uri="{FF2B5EF4-FFF2-40B4-BE49-F238E27FC236}">
-                <a16:creationId xmlns:a16="http://schemas.microsoft.com/office/drawing/2014/main" xmlns="" id="{E7ADD69D-E6B7-4AF4-8814-6E6D5E61AB20}"/>
+                <a16:creationId xmlns="" xmlns:a16="http://schemas.microsoft.com/office/drawing/2014/main" id="{E7ADD69D-E6B7-4AF4-8814-6E6D5E61AB20}"/>
               </a:ext>
             </a:extLst>
           </p:cNvPr>
@@ -1452,7 +1452,7 @@
           <p:cNvPr id="7" name="Slide Number Placeholder 6">
             <a:extLst>
               <a:ext uri="{FF2B5EF4-FFF2-40B4-BE49-F238E27FC236}">
-                <a16:creationId xmlns:a16="http://schemas.microsoft.com/office/drawing/2014/main" xmlns="" id="{742131CA-5FF7-4C1B-B2F7-72B0039AF4CC}"/>
+                <a16:creationId xmlns="" xmlns:a16="http://schemas.microsoft.com/office/drawing/2014/main" id="{742131CA-5FF7-4C1B-B2F7-72B0039AF4CC}"/>
               </a:ext>
             </a:extLst>
           </p:cNvPr>
@@ -1511,7 +1511,7 @@
           <p:cNvPr id="2" name="Title 1">
             <a:extLst>
               <a:ext uri="{FF2B5EF4-FFF2-40B4-BE49-F238E27FC236}">
-                <a16:creationId xmlns:a16="http://schemas.microsoft.com/office/drawing/2014/main" xmlns="" id="{DE864775-5C2B-4E53-9793-19744D9B5597}"/>
+                <a16:creationId xmlns="" xmlns:a16="http://schemas.microsoft.com/office/drawing/2014/main" id="{DE864775-5C2B-4E53-9793-19744D9B5597}"/>
               </a:ext>
             </a:extLst>
           </p:cNvPr>
@@ -1545,7 +1545,7 @@
           <p:cNvPr id="3" name="Text Placeholder 2">
             <a:extLst>
               <a:ext uri="{FF2B5EF4-FFF2-40B4-BE49-F238E27FC236}">
-                <a16:creationId xmlns:a16="http://schemas.microsoft.com/office/drawing/2014/main" xmlns="" id="{D3B6E471-57AD-4C1A-9267-50B61FDFEF64}"/>
+                <a16:creationId xmlns="" xmlns:a16="http://schemas.microsoft.com/office/drawing/2014/main" id="{D3B6E471-57AD-4C1A-9267-50B61FDFEF64}"/>
               </a:ext>
             </a:extLst>
           </p:cNvPr>
@@ -1616,7 +1616,7 @@
           <p:cNvPr id="4" name="Content Placeholder 3">
             <a:extLst>
               <a:ext uri="{FF2B5EF4-FFF2-40B4-BE49-F238E27FC236}">
-                <a16:creationId xmlns:a16="http://schemas.microsoft.com/office/drawing/2014/main" xmlns="" id="{727243FE-52D9-4B7D-B86D-C5927C3E588B}"/>
+                <a16:creationId xmlns="" xmlns:a16="http://schemas.microsoft.com/office/drawing/2014/main" id="{727243FE-52D9-4B7D-B86D-C5927C3E588B}"/>
               </a:ext>
             </a:extLst>
           </p:cNvPr>
@@ -1679,7 +1679,7 @@
           <p:cNvPr id="5" name="Text Placeholder 4">
             <a:extLst>
               <a:ext uri="{FF2B5EF4-FFF2-40B4-BE49-F238E27FC236}">
-                <a16:creationId xmlns:a16="http://schemas.microsoft.com/office/drawing/2014/main" xmlns="" id="{80A3EAC8-5A8F-478A-937C-07499E4EDE2F}"/>
+                <a16:creationId xmlns="" xmlns:a16="http://schemas.microsoft.com/office/drawing/2014/main" id="{80A3EAC8-5A8F-478A-937C-07499E4EDE2F}"/>
               </a:ext>
             </a:extLst>
           </p:cNvPr>
@@ -1750,7 +1750,7 @@
           <p:cNvPr id="6" name="Content Placeholder 5">
             <a:extLst>
               <a:ext uri="{FF2B5EF4-FFF2-40B4-BE49-F238E27FC236}">
-                <a16:creationId xmlns:a16="http://schemas.microsoft.com/office/drawing/2014/main" xmlns="" id="{140FC306-CEFB-440E-8527-30209CD8905D}"/>
+                <a16:creationId xmlns="" xmlns:a16="http://schemas.microsoft.com/office/drawing/2014/main" id="{140FC306-CEFB-440E-8527-30209CD8905D}"/>
               </a:ext>
             </a:extLst>
           </p:cNvPr>
@@ -1813,7 +1813,7 @@
           <p:cNvPr id="7" name="Date Placeholder 6">
             <a:extLst>
               <a:ext uri="{FF2B5EF4-FFF2-40B4-BE49-F238E27FC236}">
-                <a16:creationId xmlns:a16="http://schemas.microsoft.com/office/drawing/2014/main" xmlns="" id="{C89D386A-8686-4E02-8B1A-4D67EECB76BD}"/>
+                <a16:creationId xmlns="" xmlns:a16="http://schemas.microsoft.com/office/drawing/2014/main" id="{C89D386A-8686-4E02-8B1A-4D67EECB76BD}"/>
               </a:ext>
             </a:extLst>
           </p:cNvPr>
@@ -1831,7 +1831,7 @@
           <a:p>
             <a:fld id="{DF41D088-6A28-42C2-AE72-730311422294}" type="datetimeFigureOut">
               <a:rPr lang="en-IN" smtClean="0"/>
-              <a:t>03-03-2018</a:t>
+              <a:t>05-03-2018</a:t>
             </a:fld>
             <a:endParaRPr lang="en-IN"/>
           </a:p>
@@ -1842,7 +1842,7 @@
           <p:cNvPr id="8" name="Footer Placeholder 7">
             <a:extLst>
               <a:ext uri="{FF2B5EF4-FFF2-40B4-BE49-F238E27FC236}">
-                <a16:creationId xmlns:a16="http://schemas.microsoft.com/office/drawing/2014/main" xmlns="" id="{2788A4A8-7D2E-48B3-B13D-AD2BB98C86CD}"/>
+                <a16:creationId xmlns="" xmlns:a16="http://schemas.microsoft.com/office/drawing/2014/main" id="{2788A4A8-7D2E-48B3-B13D-AD2BB98C86CD}"/>
               </a:ext>
             </a:extLst>
           </p:cNvPr>
@@ -1867,7 +1867,7 @@
           <p:cNvPr id="9" name="Slide Number Placeholder 8">
             <a:extLst>
               <a:ext uri="{FF2B5EF4-FFF2-40B4-BE49-F238E27FC236}">
-                <a16:creationId xmlns:a16="http://schemas.microsoft.com/office/drawing/2014/main" xmlns="" id="{2EE592DD-AA14-48F9-982F-6BA9AAA92859}"/>
+                <a16:creationId xmlns="" xmlns:a16="http://schemas.microsoft.com/office/drawing/2014/main" id="{2EE592DD-AA14-48F9-982F-6BA9AAA92859}"/>
               </a:ext>
             </a:extLst>
           </p:cNvPr>
@@ -1926,7 +1926,7 @@
           <p:cNvPr id="2" name="Title 1">
             <a:extLst>
               <a:ext uri="{FF2B5EF4-FFF2-40B4-BE49-F238E27FC236}">
-                <a16:creationId xmlns:a16="http://schemas.microsoft.com/office/drawing/2014/main" xmlns="" id="{B8784445-E112-4D2C-99AE-D7A488F2C788}"/>
+                <a16:creationId xmlns="" xmlns:a16="http://schemas.microsoft.com/office/drawing/2014/main" id="{B8784445-E112-4D2C-99AE-D7A488F2C788}"/>
               </a:ext>
             </a:extLst>
           </p:cNvPr>
@@ -1955,7 +1955,7 @@
           <p:cNvPr id="3" name="Date Placeholder 2">
             <a:extLst>
               <a:ext uri="{FF2B5EF4-FFF2-40B4-BE49-F238E27FC236}">
-                <a16:creationId xmlns:a16="http://schemas.microsoft.com/office/drawing/2014/main" xmlns="" id="{4EFB9CD6-51D9-49FB-A787-890E32E35FBE}"/>
+                <a16:creationId xmlns="" xmlns:a16="http://schemas.microsoft.com/office/drawing/2014/main" id="{4EFB9CD6-51D9-49FB-A787-890E32E35FBE}"/>
               </a:ext>
             </a:extLst>
           </p:cNvPr>
@@ -1973,7 +1973,7 @@
           <a:p>
             <a:fld id="{DF41D088-6A28-42C2-AE72-730311422294}" type="datetimeFigureOut">
               <a:rPr lang="en-IN" smtClean="0"/>
-              <a:t>03-03-2018</a:t>
+              <a:t>05-03-2018</a:t>
             </a:fld>
             <a:endParaRPr lang="en-IN"/>
           </a:p>
@@ -1984,7 +1984,7 @@
           <p:cNvPr id="4" name="Footer Placeholder 3">
             <a:extLst>
               <a:ext uri="{FF2B5EF4-FFF2-40B4-BE49-F238E27FC236}">
-                <a16:creationId xmlns:a16="http://schemas.microsoft.com/office/drawing/2014/main" xmlns="" id="{E8B99097-002D-4150-BB7A-7BEF5C99FE36}"/>
+                <a16:creationId xmlns="" xmlns:a16="http://schemas.microsoft.com/office/drawing/2014/main" id="{E8B99097-002D-4150-BB7A-7BEF5C99FE36}"/>
               </a:ext>
             </a:extLst>
           </p:cNvPr>
@@ -2009,7 +2009,7 @@
           <p:cNvPr id="5" name="Slide Number Placeholder 4">
             <a:extLst>
               <a:ext uri="{FF2B5EF4-FFF2-40B4-BE49-F238E27FC236}">
-                <a16:creationId xmlns:a16="http://schemas.microsoft.com/office/drawing/2014/main" xmlns="" id="{6B2FF0B1-57FF-42AD-B2B0-88E72CB5BAB0}"/>
+                <a16:creationId xmlns="" xmlns:a16="http://schemas.microsoft.com/office/drawing/2014/main" id="{6B2FF0B1-57FF-42AD-B2B0-88E72CB5BAB0}"/>
               </a:ext>
             </a:extLst>
           </p:cNvPr>
@@ -2068,7 +2068,7 @@
           <p:cNvPr id="2" name="Date Placeholder 1">
             <a:extLst>
               <a:ext uri="{FF2B5EF4-FFF2-40B4-BE49-F238E27FC236}">
-                <a16:creationId xmlns:a16="http://schemas.microsoft.com/office/drawing/2014/main" xmlns="" id="{6DD440DD-C4AA-4CC7-84CA-CE7333F63A26}"/>
+                <a16:creationId xmlns="" xmlns:a16="http://schemas.microsoft.com/office/drawing/2014/main" id="{6DD440DD-C4AA-4CC7-84CA-CE7333F63A26}"/>
               </a:ext>
             </a:extLst>
           </p:cNvPr>
@@ -2086,7 +2086,7 @@
           <a:p>
             <a:fld id="{DF41D088-6A28-42C2-AE72-730311422294}" type="datetimeFigureOut">
               <a:rPr lang="en-IN" smtClean="0"/>
-              <a:t>03-03-2018</a:t>
+              <a:t>05-03-2018</a:t>
             </a:fld>
             <a:endParaRPr lang="en-IN"/>
           </a:p>
@@ -2097,7 +2097,7 @@
           <p:cNvPr id="3" name="Footer Placeholder 2">
             <a:extLst>
               <a:ext uri="{FF2B5EF4-FFF2-40B4-BE49-F238E27FC236}">
-                <a16:creationId xmlns:a16="http://schemas.microsoft.com/office/drawing/2014/main" xmlns="" id="{3F38FAAA-C4F1-4D7B-B156-F6621EA6ED89}"/>
+                <a16:creationId xmlns="" xmlns:a16="http://schemas.microsoft.com/office/drawing/2014/main" id="{3F38FAAA-C4F1-4D7B-B156-F6621EA6ED89}"/>
               </a:ext>
             </a:extLst>
           </p:cNvPr>
@@ -2122,7 +2122,7 @@
           <p:cNvPr id="4" name="Slide Number Placeholder 3">
             <a:extLst>
               <a:ext uri="{FF2B5EF4-FFF2-40B4-BE49-F238E27FC236}">
-                <a16:creationId xmlns:a16="http://schemas.microsoft.com/office/drawing/2014/main" xmlns="" id="{4C2D7B68-00B5-4954-831F-590BDEA1B319}"/>
+                <a16:creationId xmlns="" xmlns:a16="http://schemas.microsoft.com/office/drawing/2014/main" id="{4C2D7B68-00B5-4954-831F-590BDEA1B319}"/>
               </a:ext>
             </a:extLst>
           </p:cNvPr>
@@ -2181,7 +2181,7 @@
           <p:cNvPr id="2" name="Title 1">
             <a:extLst>
               <a:ext uri="{FF2B5EF4-FFF2-40B4-BE49-F238E27FC236}">
-                <a16:creationId xmlns:a16="http://schemas.microsoft.com/office/drawing/2014/main" xmlns="" id="{BE1E285F-8BF9-403F-B555-8B6ED26354D2}"/>
+                <a16:creationId xmlns="" xmlns:a16="http://schemas.microsoft.com/office/drawing/2014/main" id="{BE1E285F-8BF9-403F-B555-8B6ED26354D2}"/>
               </a:ext>
             </a:extLst>
           </p:cNvPr>
@@ -2219,7 +2219,7 @@
           <p:cNvPr id="3" name="Content Placeholder 2">
             <a:extLst>
               <a:ext uri="{FF2B5EF4-FFF2-40B4-BE49-F238E27FC236}">
-                <a16:creationId xmlns:a16="http://schemas.microsoft.com/office/drawing/2014/main" xmlns="" id="{007C6B08-5C48-495B-A2F3-15A10F3749D2}"/>
+                <a16:creationId xmlns="" xmlns:a16="http://schemas.microsoft.com/office/drawing/2014/main" id="{007C6B08-5C48-495B-A2F3-15A10F3749D2}"/>
               </a:ext>
             </a:extLst>
           </p:cNvPr>
@@ -2310,7 +2310,7 @@
           <p:cNvPr id="4" name="Text Placeholder 3">
             <a:extLst>
               <a:ext uri="{FF2B5EF4-FFF2-40B4-BE49-F238E27FC236}">
-                <a16:creationId xmlns:a16="http://schemas.microsoft.com/office/drawing/2014/main" xmlns="" id="{A55AB2A6-FAB5-426F-B7B6-575194454412}"/>
+                <a16:creationId xmlns="" xmlns:a16="http://schemas.microsoft.com/office/drawing/2014/main" id="{A55AB2A6-FAB5-426F-B7B6-575194454412}"/>
               </a:ext>
             </a:extLst>
           </p:cNvPr>
@@ -2381,7 +2381,7 @@
           <p:cNvPr id="5" name="Date Placeholder 4">
             <a:extLst>
               <a:ext uri="{FF2B5EF4-FFF2-40B4-BE49-F238E27FC236}">
-                <a16:creationId xmlns:a16="http://schemas.microsoft.com/office/drawing/2014/main" xmlns="" id="{3907CD56-64C3-4379-B29A-7E2B3AE6D963}"/>
+                <a16:creationId xmlns="" xmlns:a16="http://schemas.microsoft.com/office/drawing/2014/main" id="{3907CD56-64C3-4379-B29A-7E2B3AE6D963}"/>
               </a:ext>
             </a:extLst>
           </p:cNvPr>
@@ -2399,7 +2399,7 @@
           <a:p>
             <a:fld id="{DF41D088-6A28-42C2-AE72-730311422294}" type="datetimeFigureOut">
               <a:rPr lang="en-IN" smtClean="0"/>
-              <a:t>03-03-2018</a:t>
+              <a:t>05-03-2018</a:t>
             </a:fld>
             <a:endParaRPr lang="en-IN"/>
           </a:p>
@@ -2410,7 +2410,7 @@
           <p:cNvPr id="6" name="Footer Placeholder 5">
             <a:extLst>
               <a:ext uri="{FF2B5EF4-FFF2-40B4-BE49-F238E27FC236}">
-                <a16:creationId xmlns:a16="http://schemas.microsoft.com/office/drawing/2014/main" xmlns="" id="{58A09F0C-D373-46A0-9BD1-2484B910CBCE}"/>
+                <a16:creationId xmlns="" xmlns:a16="http://schemas.microsoft.com/office/drawing/2014/main" id="{58A09F0C-D373-46A0-9BD1-2484B910CBCE}"/>
               </a:ext>
             </a:extLst>
           </p:cNvPr>
@@ -2435,7 +2435,7 @@
           <p:cNvPr id="7" name="Slide Number Placeholder 6">
             <a:extLst>
               <a:ext uri="{FF2B5EF4-FFF2-40B4-BE49-F238E27FC236}">
-                <a16:creationId xmlns:a16="http://schemas.microsoft.com/office/drawing/2014/main" xmlns="" id="{DEE2F5AD-63CD-40AA-9460-E7B49CDC2952}"/>
+                <a16:creationId xmlns="" xmlns:a16="http://schemas.microsoft.com/office/drawing/2014/main" id="{DEE2F5AD-63CD-40AA-9460-E7B49CDC2952}"/>
               </a:ext>
             </a:extLst>
           </p:cNvPr>
@@ -2494,7 +2494,7 @@
           <p:cNvPr id="2" name="Title 1">
             <a:extLst>
               <a:ext uri="{FF2B5EF4-FFF2-40B4-BE49-F238E27FC236}">
-                <a16:creationId xmlns:a16="http://schemas.microsoft.com/office/drawing/2014/main" xmlns="" id="{C65E2615-C81C-4623-9715-6CB422336A83}"/>
+                <a16:creationId xmlns="" xmlns:a16="http://schemas.microsoft.com/office/drawing/2014/main" id="{C65E2615-C81C-4623-9715-6CB422336A83}"/>
               </a:ext>
             </a:extLst>
           </p:cNvPr>
@@ -2532,7 +2532,7 @@
           <p:cNvPr id="3" name="Picture Placeholder 2">
             <a:extLst>
               <a:ext uri="{FF2B5EF4-FFF2-40B4-BE49-F238E27FC236}">
-                <a16:creationId xmlns:a16="http://schemas.microsoft.com/office/drawing/2014/main" xmlns="" id="{A34588CF-3B7E-4DB7-9658-1EAF3EC10E48}"/>
+                <a16:creationId xmlns="" xmlns:a16="http://schemas.microsoft.com/office/drawing/2014/main" id="{A34588CF-3B7E-4DB7-9658-1EAF3EC10E48}"/>
               </a:ext>
             </a:extLst>
           </p:cNvPr>
@@ -2599,7 +2599,7 @@
           <p:cNvPr id="4" name="Text Placeholder 3">
             <a:extLst>
               <a:ext uri="{FF2B5EF4-FFF2-40B4-BE49-F238E27FC236}">
-                <a16:creationId xmlns:a16="http://schemas.microsoft.com/office/drawing/2014/main" xmlns="" id="{8950DEF1-C84F-4FFA-80E9-9DA26293BC56}"/>
+                <a16:creationId xmlns="" xmlns:a16="http://schemas.microsoft.com/office/drawing/2014/main" id="{8950DEF1-C84F-4FFA-80E9-9DA26293BC56}"/>
               </a:ext>
             </a:extLst>
           </p:cNvPr>
@@ -2670,7 +2670,7 @@
           <p:cNvPr id="5" name="Date Placeholder 4">
             <a:extLst>
               <a:ext uri="{FF2B5EF4-FFF2-40B4-BE49-F238E27FC236}">
-                <a16:creationId xmlns:a16="http://schemas.microsoft.com/office/drawing/2014/main" xmlns="" id="{ECF27333-C623-4CD1-8217-8E4D09E93C81}"/>
+                <a16:creationId xmlns="" xmlns:a16="http://schemas.microsoft.com/office/drawing/2014/main" id="{ECF27333-C623-4CD1-8217-8E4D09E93C81}"/>
               </a:ext>
             </a:extLst>
           </p:cNvPr>
@@ -2688,7 +2688,7 @@
           <a:p>
             <a:fld id="{DF41D088-6A28-42C2-AE72-730311422294}" type="datetimeFigureOut">
               <a:rPr lang="en-IN" smtClean="0"/>
-              <a:t>03-03-2018</a:t>
+              <a:t>05-03-2018</a:t>
             </a:fld>
             <a:endParaRPr lang="en-IN"/>
           </a:p>
@@ -2699,7 +2699,7 @@
           <p:cNvPr id="6" name="Footer Placeholder 5">
             <a:extLst>
               <a:ext uri="{FF2B5EF4-FFF2-40B4-BE49-F238E27FC236}">
-                <a16:creationId xmlns:a16="http://schemas.microsoft.com/office/drawing/2014/main" xmlns="" id="{172C871C-1927-4C56-B26C-871569A78250}"/>
+                <a16:creationId xmlns="" xmlns:a16="http://schemas.microsoft.com/office/drawing/2014/main" id="{172C871C-1927-4C56-B26C-871569A78250}"/>
               </a:ext>
             </a:extLst>
           </p:cNvPr>
@@ -2724,7 +2724,7 @@
           <p:cNvPr id="7" name="Slide Number Placeholder 6">
             <a:extLst>
               <a:ext uri="{FF2B5EF4-FFF2-40B4-BE49-F238E27FC236}">
-                <a16:creationId xmlns:a16="http://schemas.microsoft.com/office/drawing/2014/main" xmlns="" id="{2DBF871C-6BDA-4180-9FB0-DE39DEADB09C}"/>
+                <a16:creationId xmlns="" xmlns:a16="http://schemas.microsoft.com/office/drawing/2014/main" id="{2DBF871C-6BDA-4180-9FB0-DE39DEADB09C}"/>
               </a:ext>
             </a:extLst>
           </p:cNvPr>
@@ -2788,7 +2788,7 @@
           <p:cNvPr id="2" name="Title Placeholder 1">
             <a:extLst>
               <a:ext uri="{FF2B5EF4-FFF2-40B4-BE49-F238E27FC236}">
-                <a16:creationId xmlns:a16="http://schemas.microsoft.com/office/drawing/2014/main" xmlns="" id="{7FF3AF39-746D-4AB7-A065-72427A85165A}"/>
+                <a16:creationId xmlns="" xmlns:a16="http://schemas.microsoft.com/office/drawing/2014/main" id="{7FF3AF39-746D-4AB7-A065-72427A85165A}"/>
               </a:ext>
             </a:extLst>
           </p:cNvPr>
@@ -2827,7 +2827,7 @@
           <p:cNvPr id="3" name="Text Placeholder 2">
             <a:extLst>
               <a:ext uri="{FF2B5EF4-FFF2-40B4-BE49-F238E27FC236}">
-                <a16:creationId xmlns:a16="http://schemas.microsoft.com/office/drawing/2014/main" xmlns="" id="{7D5391B5-AD0F-4DC6-A094-C9D6CB64B2FE}"/>
+                <a16:creationId xmlns="" xmlns:a16="http://schemas.microsoft.com/office/drawing/2014/main" id="{7D5391B5-AD0F-4DC6-A094-C9D6CB64B2FE}"/>
               </a:ext>
             </a:extLst>
           </p:cNvPr>
@@ -2895,7 +2895,7 @@
           <p:cNvPr id="4" name="Date Placeholder 3">
             <a:extLst>
               <a:ext uri="{FF2B5EF4-FFF2-40B4-BE49-F238E27FC236}">
-                <a16:creationId xmlns:a16="http://schemas.microsoft.com/office/drawing/2014/main" xmlns="" id="{D02A8A16-625C-444D-8167-D1152A80E92D}"/>
+                <a16:creationId xmlns="" xmlns:a16="http://schemas.microsoft.com/office/drawing/2014/main" id="{D02A8A16-625C-444D-8167-D1152A80E92D}"/>
               </a:ext>
             </a:extLst>
           </p:cNvPr>
@@ -2931,7 +2931,7 @@
           <a:p>
             <a:fld id="{DF41D088-6A28-42C2-AE72-730311422294}" type="datetimeFigureOut">
               <a:rPr lang="en-IN" smtClean="0"/>
-              <a:t>03-03-2018</a:t>
+              <a:t>05-03-2018</a:t>
             </a:fld>
             <a:endParaRPr lang="en-IN"/>
           </a:p>
@@ -2942,7 +2942,7 @@
           <p:cNvPr id="5" name="Footer Placeholder 4">
             <a:extLst>
               <a:ext uri="{FF2B5EF4-FFF2-40B4-BE49-F238E27FC236}">
-                <a16:creationId xmlns:a16="http://schemas.microsoft.com/office/drawing/2014/main" xmlns="" id="{6EEB9B12-6BF3-4555-A879-F99A68C022B9}"/>
+                <a16:creationId xmlns="" xmlns:a16="http://schemas.microsoft.com/office/drawing/2014/main" id="{6EEB9B12-6BF3-4555-A879-F99A68C022B9}"/>
               </a:ext>
             </a:extLst>
           </p:cNvPr>
@@ -2985,7 +2985,7 @@
           <p:cNvPr id="6" name="Slide Number Placeholder 5">
             <a:extLst>
               <a:ext uri="{FF2B5EF4-FFF2-40B4-BE49-F238E27FC236}">
-                <a16:creationId xmlns:a16="http://schemas.microsoft.com/office/drawing/2014/main" xmlns="" id="{3514193A-D828-425C-8CE1-E9A89C9E891F}"/>
+                <a16:creationId xmlns="" xmlns:a16="http://schemas.microsoft.com/office/drawing/2014/main" id="{3514193A-D828-425C-8CE1-E9A89C9E891F}"/>
               </a:ext>
             </a:extLst>
           </p:cNvPr>
@@ -3353,7 +3353,7 @@
           <p:cNvPr id="5" name="Rectangle 4">
             <a:extLst>
               <a:ext uri="{FF2B5EF4-FFF2-40B4-BE49-F238E27FC236}">
-                <a16:creationId xmlns:a16="http://schemas.microsoft.com/office/drawing/2014/main" xmlns="" id="{7BAB691C-E1E9-43CD-B651-7667C4DCA194}"/>
+                <a16:creationId xmlns="" xmlns:a16="http://schemas.microsoft.com/office/drawing/2014/main" id="{7BAB691C-E1E9-43CD-B651-7667C4DCA194}"/>
               </a:ext>
             </a:extLst>
           </p:cNvPr>
@@ -3405,7 +3405,7 @@
           <p:cNvPr id="6" name="TextBox 5">
             <a:extLst>
               <a:ext uri="{FF2B5EF4-FFF2-40B4-BE49-F238E27FC236}">
-                <a16:creationId xmlns:a16="http://schemas.microsoft.com/office/drawing/2014/main" xmlns="" id="{88507301-9951-4504-A25D-65289CB04F2D}"/>
+                <a16:creationId xmlns="" xmlns:a16="http://schemas.microsoft.com/office/drawing/2014/main" id="{88507301-9951-4504-A25D-65289CB04F2D}"/>
               </a:ext>
             </a:extLst>
           </p:cNvPr>
@@ -3440,7 +3440,7 @@
           <p:cNvPr id="8" name="Straight Arrow Connector 7">
             <a:extLst>
               <a:ext uri="{FF2B5EF4-FFF2-40B4-BE49-F238E27FC236}">
-                <a16:creationId xmlns:a16="http://schemas.microsoft.com/office/drawing/2014/main" xmlns="" id="{91E075E9-58CA-4DCC-B8CC-86E55A7EA480}"/>
+                <a16:creationId xmlns="" xmlns:a16="http://schemas.microsoft.com/office/drawing/2014/main" id="{91E075E9-58CA-4DCC-B8CC-86E55A7EA480}"/>
               </a:ext>
             </a:extLst>
           </p:cNvPr>
@@ -3481,7 +3481,7 @@
           <p:cNvPr id="31" name="Straight Connector 30">
             <a:extLst>
               <a:ext uri="{FF2B5EF4-FFF2-40B4-BE49-F238E27FC236}">
-                <a16:creationId xmlns:a16="http://schemas.microsoft.com/office/drawing/2014/main" xmlns="" id="{46071711-6296-4D97-ADCA-71BDC44999A2}"/>
+                <a16:creationId xmlns="" xmlns:a16="http://schemas.microsoft.com/office/drawing/2014/main" id="{46071711-6296-4D97-ADCA-71BDC44999A2}"/>
               </a:ext>
             </a:extLst>
           </p:cNvPr>
@@ -3491,9 +3491,9 @@
           <p:nvPr/>
         </p:nvCxnSpPr>
         <p:spPr>
-          <a:xfrm flipH="1">
-            <a:off x="1806253" y="1704703"/>
-            <a:ext cx="9486" cy="3263929"/>
+          <a:xfrm>
+            <a:off x="1815739" y="1704703"/>
+            <a:ext cx="54135" cy="4010292"/>
           </a:xfrm>
           <a:prstGeom prst="line">
             <a:avLst/>
@@ -3519,19 +3519,20 @@
           <p:cNvPr id="34" name="Straight Arrow Connector 33">
             <a:extLst>
               <a:ext uri="{FF2B5EF4-FFF2-40B4-BE49-F238E27FC236}">
-                <a16:creationId xmlns:a16="http://schemas.microsoft.com/office/drawing/2014/main" xmlns="" id="{AB9C9124-1D6F-497B-841A-B2DFBF32E4A6}"/>
+                <a16:creationId xmlns="" xmlns:a16="http://schemas.microsoft.com/office/drawing/2014/main" id="{AB9C9124-1D6F-497B-841A-B2DFBF32E4A6}"/>
               </a:ext>
             </a:extLst>
           </p:cNvPr>
           <p:cNvCxnSpPr>
             <a:cxnSpLocks/>
+            <a:endCxn id="47" idx="1"/>
           </p:cNvCxnSpPr>
           <p:nvPr/>
         </p:nvCxnSpPr>
         <p:spPr>
           <a:xfrm>
             <a:off x="1815736" y="3291840"/>
-            <a:ext cx="444137" cy="0"/>
+            <a:ext cx="683529" cy="12660"/>
           </a:xfrm>
           <a:prstGeom prst="straightConnector1">
             <a:avLst/>
@@ -3560,7 +3561,7 @@
           <p:cNvPr id="41" name="Rectangle 40">
             <a:extLst>
               <a:ext uri="{FF2B5EF4-FFF2-40B4-BE49-F238E27FC236}">
-                <a16:creationId xmlns:a16="http://schemas.microsoft.com/office/drawing/2014/main" xmlns="" id="{7CD7D127-761F-4CB4-8929-A3C912798F4B}"/>
+                <a16:creationId xmlns="" xmlns:a16="http://schemas.microsoft.com/office/drawing/2014/main" id="{7CD7D127-761F-4CB4-8929-A3C912798F4B}"/>
               </a:ext>
             </a:extLst>
           </p:cNvPr>
@@ -3609,7 +3610,7 @@
           <p:cNvPr id="44" name="TextBox 43">
             <a:extLst>
               <a:ext uri="{FF2B5EF4-FFF2-40B4-BE49-F238E27FC236}">
-                <a16:creationId xmlns:a16="http://schemas.microsoft.com/office/drawing/2014/main" xmlns="" id="{084F3584-B47E-458C-986E-6444E32854E0}"/>
+                <a16:creationId xmlns="" xmlns:a16="http://schemas.microsoft.com/office/drawing/2014/main" id="{084F3584-B47E-458C-986E-6444E32854E0}"/>
               </a:ext>
             </a:extLst>
           </p:cNvPr>
@@ -3646,7 +3647,7 @@
           <p:cNvPr id="47" name="Picture 46">
             <a:extLst>
               <a:ext uri="{FF2B5EF4-FFF2-40B4-BE49-F238E27FC236}">
-                <a16:creationId xmlns:a16="http://schemas.microsoft.com/office/drawing/2014/main" xmlns="" id="{D31280B7-70AD-4E9D-9E30-52F11EFBA6BD}"/>
+                <a16:creationId xmlns="" xmlns:a16="http://schemas.microsoft.com/office/drawing/2014/main" id="{D31280B7-70AD-4E9D-9E30-52F11EFBA6BD}"/>
               </a:ext>
             </a:extLst>
           </p:cNvPr>
@@ -3663,7 +3664,7 @@
         </p:blipFill>
         <p:spPr>
           <a:xfrm>
-            <a:off x="2259873" y="2831552"/>
+            <a:off x="2499265" y="2844212"/>
             <a:ext cx="1499746" cy="920576"/>
           </a:xfrm>
           <a:prstGeom prst="rect">
@@ -3676,7 +3677,7 @@
           <p:cNvPr id="48" name="TextBox 47">
             <a:extLst>
               <a:ext uri="{FF2B5EF4-FFF2-40B4-BE49-F238E27FC236}">
-                <a16:creationId xmlns:a16="http://schemas.microsoft.com/office/drawing/2014/main" xmlns="" id="{71F4919B-9B57-4077-B155-070740CA8F78}"/>
+                <a16:creationId xmlns="" xmlns:a16="http://schemas.microsoft.com/office/drawing/2014/main" id="{71F4919B-9B57-4077-B155-070740CA8F78}"/>
               </a:ext>
             </a:extLst>
           </p:cNvPr>
@@ -3685,7 +3686,7 @@
         </p:nvSpPr>
         <p:spPr>
           <a:xfrm>
-            <a:off x="2299061" y="2831552"/>
+            <a:off x="2618441" y="2844212"/>
             <a:ext cx="1397705" cy="923330"/>
           </a:xfrm>
           <a:prstGeom prst="rect">
@@ -3711,7 +3712,7 @@
           <p:cNvPr id="57" name="Picture 56">
             <a:extLst>
               <a:ext uri="{FF2B5EF4-FFF2-40B4-BE49-F238E27FC236}">
-                <a16:creationId xmlns:a16="http://schemas.microsoft.com/office/drawing/2014/main" xmlns="" id="{480281D1-CFAC-4A8B-A629-34C3112C0136}"/>
+                <a16:creationId xmlns="" xmlns:a16="http://schemas.microsoft.com/office/drawing/2014/main" id="{480281D1-CFAC-4A8B-A629-34C3112C0136}"/>
               </a:ext>
             </a:extLst>
           </p:cNvPr>
@@ -3741,7 +3742,7 @@
           <p:cNvPr id="58" name="TextBox 57">
             <a:extLst>
               <a:ext uri="{FF2B5EF4-FFF2-40B4-BE49-F238E27FC236}">
-                <a16:creationId xmlns:a16="http://schemas.microsoft.com/office/drawing/2014/main" xmlns="" id="{0167D6CB-602B-4864-ACEC-083056996264}"/>
+                <a16:creationId xmlns="" xmlns:a16="http://schemas.microsoft.com/office/drawing/2014/main" id="{0167D6CB-602B-4864-ACEC-083056996264}"/>
               </a:ext>
             </a:extLst>
           </p:cNvPr>
@@ -3776,20 +3777,19 @@
           <p:cNvPr id="61" name="Straight Arrow Connector 60">
             <a:extLst>
               <a:ext uri="{FF2B5EF4-FFF2-40B4-BE49-F238E27FC236}">
-                <a16:creationId xmlns:a16="http://schemas.microsoft.com/office/drawing/2014/main" xmlns="" id="{A22960A6-C008-498A-869C-9DBC5FAA2E35}"/>
+                <a16:creationId xmlns="" xmlns:a16="http://schemas.microsoft.com/office/drawing/2014/main" id="{A22960A6-C008-498A-869C-9DBC5FAA2E35}"/>
               </a:ext>
             </a:extLst>
           </p:cNvPr>
           <p:cNvCxnSpPr>
             <a:cxnSpLocks/>
-            <a:stCxn id="47" idx="3"/>
           </p:cNvCxnSpPr>
           <p:nvPr/>
         </p:nvCxnSpPr>
         <p:spPr>
           <a:xfrm>
-            <a:off x="3759619" y="3291840"/>
-            <a:ext cx="1112827" cy="9876"/>
+            <a:off x="3962568" y="3280343"/>
+            <a:ext cx="922770" cy="14037"/>
           </a:xfrm>
           <a:prstGeom prst="straightConnector1">
             <a:avLst/>
@@ -3818,7 +3818,7 @@
           <p:cNvPr id="65" name="Picture 64">
             <a:extLst>
               <a:ext uri="{FF2B5EF4-FFF2-40B4-BE49-F238E27FC236}">
-                <a16:creationId xmlns:a16="http://schemas.microsoft.com/office/drawing/2014/main" xmlns="" id="{81AE3B45-17AD-45FA-ABEA-2B3062664E8C}"/>
+                <a16:creationId xmlns="" xmlns:a16="http://schemas.microsoft.com/office/drawing/2014/main" id="{81AE3B45-17AD-45FA-ABEA-2B3062664E8C}"/>
               </a:ext>
             </a:extLst>
           </p:cNvPr>
@@ -3848,7 +3848,7 @@
           <p:cNvPr id="66" name="Picture 65">
             <a:extLst>
               <a:ext uri="{FF2B5EF4-FFF2-40B4-BE49-F238E27FC236}">
-                <a16:creationId xmlns:a16="http://schemas.microsoft.com/office/drawing/2014/main" xmlns="" id="{3106DF76-B3E1-4A9E-AF06-A0223DBC7C57}"/>
+                <a16:creationId xmlns="" xmlns:a16="http://schemas.microsoft.com/office/drawing/2014/main" id="{3106DF76-B3E1-4A9E-AF06-A0223DBC7C57}"/>
               </a:ext>
             </a:extLst>
           </p:cNvPr>
@@ -3878,7 +3878,7 @@
           <p:cNvPr id="69" name="TextBox 68">
             <a:extLst>
               <a:ext uri="{FF2B5EF4-FFF2-40B4-BE49-F238E27FC236}">
-                <a16:creationId xmlns:a16="http://schemas.microsoft.com/office/drawing/2014/main" xmlns="" id="{39D00166-C179-4BD5-B773-877AFD617482}"/>
+                <a16:creationId xmlns="" xmlns:a16="http://schemas.microsoft.com/office/drawing/2014/main" id="{39D00166-C179-4BD5-B773-877AFD617482}"/>
               </a:ext>
             </a:extLst>
           </p:cNvPr>
@@ -3913,7 +3913,7 @@
           <p:cNvPr id="71" name="Straight Arrow Connector 70">
             <a:extLst>
               <a:ext uri="{FF2B5EF4-FFF2-40B4-BE49-F238E27FC236}">
-                <a16:creationId xmlns:a16="http://schemas.microsoft.com/office/drawing/2014/main" xmlns="" id="{7CB17E1E-0027-4FE3-BC1C-911E17D77F54}"/>
+                <a16:creationId xmlns="" xmlns:a16="http://schemas.microsoft.com/office/drawing/2014/main" id="{7CB17E1E-0027-4FE3-BC1C-911E17D77F54}"/>
               </a:ext>
             </a:extLst>
           </p:cNvPr>
@@ -3956,19 +3956,20 @@
           <p:cNvPr id="74" name="Straight Arrow Connector 73">
             <a:extLst>
               <a:ext uri="{FF2B5EF4-FFF2-40B4-BE49-F238E27FC236}">
-                <a16:creationId xmlns:a16="http://schemas.microsoft.com/office/drawing/2014/main" xmlns="" id="{056A7D3B-DE38-4F2D-A47F-77450EC8CB2D}"/>
+                <a16:creationId xmlns="" xmlns:a16="http://schemas.microsoft.com/office/drawing/2014/main" id="{056A7D3B-DE38-4F2D-A47F-77450EC8CB2D}"/>
               </a:ext>
             </a:extLst>
           </p:cNvPr>
           <p:cNvCxnSpPr>
             <a:cxnSpLocks/>
+            <a:endCxn id="66" idx="1"/>
           </p:cNvCxnSpPr>
           <p:nvPr/>
         </p:nvCxnSpPr>
         <p:spPr>
-          <a:xfrm flipV="1">
-            <a:off x="6372188" y="3272453"/>
-            <a:ext cx="985615" cy="12272"/>
+          <a:xfrm>
+            <a:off x="6389668" y="3270514"/>
+            <a:ext cx="968139" cy="18278"/>
           </a:xfrm>
           <a:prstGeom prst="straightConnector1">
             <a:avLst/>
@@ -3997,7 +3998,7 @@
           <p:cNvPr id="77" name="TextBox 76">
             <a:extLst>
               <a:ext uri="{FF2B5EF4-FFF2-40B4-BE49-F238E27FC236}">
-                <a16:creationId xmlns:a16="http://schemas.microsoft.com/office/drawing/2014/main" xmlns="" id="{12CF93FC-3C22-4FD4-9662-556A6281A36D}"/>
+                <a16:creationId xmlns="" xmlns:a16="http://schemas.microsoft.com/office/drawing/2014/main" id="{12CF93FC-3C22-4FD4-9662-556A6281A36D}"/>
               </a:ext>
             </a:extLst>
           </p:cNvPr>
@@ -4032,7 +4033,7 @@
           <p:cNvPr id="82" name="Straight Arrow Connector 81">
             <a:extLst>
               <a:ext uri="{FF2B5EF4-FFF2-40B4-BE49-F238E27FC236}">
-                <a16:creationId xmlns:a16="http://schemas.microsoft.com/office/drawing/2014/main" xmlns="" id="{7649B690-145B-4D86-AA5B-24BBAA70D65D}"/>
+                <a16:creationId xmlns="" xmlns:a16="http://schemas.microsoft.com/office/drawing/2014/main" id="{7649B690-145B-4D86-AA5B-24BBAA70D65D}"/>
               </a:ext>
             </a:extLst>
           </p:cNvPr>
@@ -4043,7 +4044,7 @@
         </p:nvCxnSpPr>
         <p:spPr>
           <a:xfrm>
-            <a:off x="1815736" y="4968632"/>
+            <a:off x="1854924" y="5702070"/>
             <a:ext cx="444137" cy="0"/>
           </a:xfrm>
           <a:prstGeom prst="straightConnector1">
@@ -4073,7 +4074,7 @@
           <p:cNvPr id="86" name="Picture 85">
             <a:extLst>
               <a:ext uri="{FF2B5EF4-FFF2-40B4-BE49-F238E27FC236}">
-                <a16:creationId xmlns:a16="http://schemas.microsoft.com/office/drawing/2014/main" xmlns="" id="{04CAD1C4-D133-4D20-9527-91D89BCEC537}"/>
+                <a16:creationId xmlns="" xmlns:a16="http://schemas.microsoft.com/office/drawing/2014/main" id="{04CAD1C4-D133-4D20-9527-91D89BCEC537}"/>
               </a:ext>
             </a:extLst>
           </p:cNvPr>
@@ -4090,7 +4091,7 @@
         </p:blipFill>
         <p:spPr>
           <a:xfrm>
-            <a:off x="2269356" y="4502359"/>
+            <a:off x="2324542" y="5251659"/>
             <a:ext cx="1499746" cy="926672"/>
           </a:xfrm>
           <a:prstGeom prst="rect">
@@ -4103,7 +4104,7 @@
           <p:cNvPr id="87" name="TextBox 86">
             <a:extLst>
               <a:ext uri="{FF2B5EF4-FFF2-40B4-BE49-F238E27FC236}">
-                <a16:creationId xmlns:a16="http://schemas.microsoft.com/office/drawing/2014/main" xmlns="" id="{F87C62A0-2E51-486E-9D18-AA07994DFAD9}"/>
+                <a16:creationId xmlns="" xmlns:a16="http://schemas.microsoft.com/office/drawing/2014/main" id="{F87C62A0-2E51-486E-9D18-AA07994DFAD9}"/>
               </a:ext>
             </a:extLst>
           </p:cNvPr>
@@ -4112,7 +4113,7 @@
         </p:nvSpPr>
         <p:spPr>
           <a:xfrm>
-            <a:off x="2552896" y="4622560"/>
+            <a:off x="2552896" y="5378905"/>
             <a:ext cx="1499746" cy="646331"/>
           </a:xfrm>
           <a:prstGeom prst="rect">
@@ -4138,7 +4139,7 @@
           <p:cNvPr id="94" name="Straight Connector 93">
             <a:extLst>
               <a:ext uri="{FF2B5EF4-FFF2-40B4-BE49-F238E27FC236}">
-                <a16:creationId xmlns:a16="http://schemas.microsoft.com/office/drawing/2014/main" xmlns="" id="{1A450949-68AC-4C5B-84A3-2B8215658E0C}"/>
+                <a16:creationId xmlns="" xmlns:a16="http://schemas.microsoft.com/office/drawing/2014/main" id="{1A450949-68AC-4C5B-84A3-2B8215658E0C}"/>
               </a:ext>
             </a:extLst>
           </p:cNvPr>
@@ -4149,7 +4150,7 @@
         </p:nvCxnSpPr>
         <p:spPr>
           <a:xfrm>
-            <a:off x="3769102" y="4965695"/>
+            <a:off x="3824288" y="5714995"/>
             <a:ext cx="7067030" cy="0"/>
           </a:xfrm>
           <a:prstGeom prst="line">
@@ -4176,7 +4177,7 @@
           <p:cNvPr id="97" name="Straight Arrow Connector 96">
             <a:extLst>
               <a:ext uri="{FF2B5EF4-FFF2-40B4-BE49-F238E27FC236}">
-                <a16:creationId xmlns:a16="http://schemas.microsoft.com/office/drawing/2014/main" xmlns="" id="{582EC776-B69F-4483-85DE-B80BBD98BCEF}"/>
+                <a16:creationId xmlns="" xmlns:a16="http://schemas.microsoft.com/office/drawing/2014/main" id="{582EC776-B69F-4483-85DE-B80BBD98BCEF}"/>
               </a:ext>
             </a:extLst>
           </p:cNvPr>
@@ -4188,7 +4189,7 @@
         <p:spPr>
           <a:xfrm flipH="1" flipV="1">
             <a:off x="10823070" y="1991913"/>
-            <a:ext cx="26124" cy="2973782"/>
+            <a:ext cx="68248" cy="3723082"/>
           </a:xfrm>
           <a:prstGeom prst="straightConnector1">
             <a:avLst/>
@@ -4217,7 +4218,7 @@
           <p:cNvPr id="101" name="Straight Arrow Connector 100">
             <a:extLst>
               <a:ext uri="{FF2B5EF4-FFF2-40B4-BE49-F238E27FC236}">
-                <a16:creationId xmlns:a16="http://schemas.microsoft.com/office/drawing/2014/main" xmlns="" id="{260A9239-9A4E-470E-88DB-696066E196CE}"/>
+                <a16:creationId xmlns="" xmlns:a16="http://schemas.microsoft.com/office/drawing/2014/main" id="{260A9239-9A4E-470E-88DB-696066E196CE}"/>
               </a:ext>
             </a:extLst>
           </p:cNvPr>
@@ -4258,7 +4259,7 @@
           <p:cNvPr id="104" name="Straight Connector 103">
             <a:extLst>
               <a:ext uri="{FF2B5EF4-FFF2-40B4-BE49-F238E27FC236}">
-                <a16:creationId xmlns:a16="http://schemas.microsoft.com/office/drawing/2014/main" xmlns="" id="{401447A8-CAE1-46AB-872E-CFF65D83F7D5}"/>
+                <a16:creationId xmlns="" xmlns:a16="http://schemas.microsoft.com/office/drawing/2014/main" id="{401447A8-CAE1-46AB-872E-CFF65D83F7D5}"/>
               </a:ext>
             </a:extLst>
           </p:cNvPr>
@@ -4271,6 +4272,220 @@
           <a:xfrm>
             <a:off x="3749036" y="1704703"/>
             <a:ext cx="5545701" cy="9227"/>
+          </a:xfrm>
+          <a:prstGeom prst="line">
+            <a:avLst/>
+          </a:prstGeom>
+        </p:spPr>
+        <p:style>
+          <a:lnRef idx="1">
+            <a:schemeClr val="accent1"/>
+          </a:lnRef>
+          <a:fillRef idx="0">
+            <a:schemeClr val="accent1"/>
+          </a:fillRef>
+          <a:effectRef idx="0">
+            <a:schemeClr val="accent1"/>
+          </a:effectRef>
+          <a:fontRef idx="minor">
+            <a:schemeClr val="tx1"/>
+          </a:fontRef>
+        </p:style>
+      </p:cxnSp>
+      <p:sp>
+        <p:nvSpPr>
+          <p:cNvPr id="119" name="TextBox 118">
+            <a:extLst>
+              <a:ext uri="{FF2B5EF4-FFF2-40B4-BE49-F238E27FC236}">
+                <a16:creationId xmlns="" xmlns:a16="http://schemas.microsoft.com/office/drawing/2014/main" id="{BD6AA7CF-AE54-4B93-AFF5-773244FFCBAF}"/>
+              </a:ext>
+            </a:extLst>
+          </p:cNvPr>
+          <p:cNvSpPr txBox="1"/>
+          <p:nvPr/>
+        </p:nvSpPr>
+        <p:spPr>
+          <a:xfrm>
+            <a:off x="5215841" y="195208"/>
+            <a:ext cx="3831771" cy="584775"/>
+          </a:xfrm>
+          <a:prstGeom prst="rect">
+            <a:avLst/>
+          </a:prstGeom>
+          <a:noFill/>
+        </p:spPr>
+        <p:txBody>
+          <a:bodyPr wrap="square" rtlCol="0">
+            <a:spAutoFit/>
+          </a:bodyPr>
+          <a:lstStyle/>
+          <a:p>
+            <a:r>
+              <a:rPr lang="en-IN" sz="3200" u="sng" dirty="0">
+                <a:latin typeface="Arial" panose="020B0604020202020204" pitchFamily="34" charset="0"/>
+                <a:cs typeface="Arial" panose="020B0604020202020204" pitchFamily="34" charset="0"/>
+              </a:rPr>
+              <a:t>Plan of Action</a:t>
+            </a:r>
+          </a:p>
+        </p:txBody>
+      </p:sp>
+      <p:sp>
+        <p:nvSpPr>
+          <p:cNvPr id="2" name="Rectangle 1"/>
+          <p:cNvSpPr/>
+          <p:nvPr/>
+        </p:nvSpPr>
+        <p:spPr>
+          <a:xfrm>
+            <a:off x="381000" y="6324600"/>
+            <a:ext cx="495300" cy="355600"/>
+          </a:xfrm>
+          <a:prstGeom prst="rect">
+            <a:avLst/>
+          </a:prstGeom>
+          <a:solidFill>
+            <a:schemeClr val="accent6"/>
+          </a:solidFill>
+        </p:spPr>
+        <p:style>
+          <a:lnRef idx="2">
+            <a:schemeClr val="accent1">
+              <a:shade val="50000"/>
+            </a:schemeClr>
+          </a:lnRef>
+          <a:fillRef idx="1">
+            <a:schemeClr val="accent1"/>
+          </a:fillRef>
+          <a:effectRef idx="0">
+            <a:schemeClr val="accent1"/>
+          </a:effectRef>
+          <a:fontRef idx="minor">
+            <a:schemeClr val="lt1"/>
+          </a:fontRef>
+        </p:style>
+        <p:txBody>
+          <a:bodyPr rtlCol="0" anchor="ctr"/>
+          <a:lstStyle/>
+          <a:p>
+            <a:pPr algn="ctr"/>
+            <a:endParaRPr lang="en-IN"/>
+          </a:p>
+        </p:txBody>
+      </p:sp>
+      <p:sp>
+        <p:nvSpPr>
+          <p:cNvPr id="3" name="TextBox 2"/>
+          <p:cNvSpPr txBox="1"/>
+          <p:nvPr/>
+        </p:nvSpPr>
+        <p:spPr>
+          <a:xfrm>
+            <a:off x="1028700" y="6324600"/>
+            <a:ext cx="1117600" cy="369332"/>
+          </a:xfrm>
+          <a:prstGeom prst="rect">
+            <a:avLst/>
+          </a:prstGeom>
+          <a:noFill/>
+        </p:spPr>
+        <p:txBody>
+          <a:bodyPr wrap="square" rtlCol="0">
+            <a:spAutoFit/>
+          </a:bodyPr>
+          <a:lstStyle/>
+          <a:p>
+            <a:r>
+              <a:rPr lang="en-IN" dirty="0" smtClean="0"/>
+              <a:t>= Done</a:t>
+            </a:r>
+            <a:endParaRPr lang="en-IN" dirty="0"/>
+          </a:p>
+        </p:txBody>
+      </p:sp>
+      <p:sp>
+        <p:nvSpPr>
+          <p:cNvPr id="32" name="Rectangle 31"/>
+          <p:cNvSpPr/>
+          <p:nvPr/>
+        </p:nvSpPr>
+        <p:spPr>
+          <a:xfrm>
+            <a:off x="2057596" y="6324600"/>
+            <a:ext cx="495300" cy="355600"/>
+          </a:xfrm>
+          <a:prstGeom prst="rect">
+            <a:avLst/>
+          </a:prstGeom>
+          <a:solidFill>
+            <a:schemeClr val="accent4"/>
+          </a:solidFill>
+        </p:spPr>
+        <p:style>
+          <a:lnRef idx="2">
+            <a:schemeClr val="accent1">
+              <a:shade val="50000"/>
+            </a:schemeClr>
+          </a:lnRef>
+          <a:fillRef idx="1">
+            <a:schemeClr val="accent1"/>
+          </a:fillRef>
+          <a:effectRef idx="0">
+            <a:schemeClr val="accent1"/>
+          </a:effectRef>
+          <a:fontRef idx="minor">
+            <a:schemeClr val="lt1"/>
+          </a:fontRef>
+        </p:style>
+        <p:txBody>
+          <a:bodyPr rtlCol="0" anchor="ctr"/>
+          <a:lstStyle/>
+          <a:p>
+            <a:pPr algn="ctr"/>
+            <a:endParaRPr lang="en-IN"/>
+          </a:p>
+        </p:txBody>
+      </p:sp>
+      <p:sp>
+        <p:nvSpPr>
+          <p:cNvPr id="33" name="TextBox 32"/>
+          <p:cNvSpPr txBox="1"/>
+          <p:nvPr/>
+        </p:nvSpPr>
+        <p:spPr>
+          <a:xfrm>
+            <a:off x="2667615" y="6324600"/>
+            <a:ext cx="1117600" cy="369332"/>
+          </a:xfrm>
+          <a:prstGeom prst="rect">
+            <a:avLst/>
+          </a:prstGeom>
+          <a:noFill/>
+        </p:spPr>
+        <p:txBody>
+          <a:bodyPr wrap="square" rtlCol="0">
+            <a:spAutoFit/>
+          </a:bodyPr>
+          <a:lstStyle/>
+          <a:p>
+            <a:r>
+              <a:rPr lang="en-IN" dirty="0" smtClean="0"/>
+              <a:t>= Doing</a:t>
+            </a:r>
+            <a:endParaRPr lang="en-IN" dirty="0"/>
+          </a:p>
+        </p:txBody>
+      </p:sp>
+      <p:cxnSp>
+        <p:nvCxnSpPr>
+          <p:cNvPr id="16" name="Straight Connector 15"/>
+          <p:cNvCxnSpPr/>
+          <p:nvPr/>
+        </p:nvCxnSpPr>
+        <p:spPr>
+          <a:xfrm>
+            <a:off x="2146300" y="3304500"/>
+            <a:ext cx="19328" cy="1069893"/>
           </a:xfrm>
           <a:prstGeom prst="line">
             <a:avLst/>
@@ -4293,22 +4508,14 @@
       </p:cxnSp>
       <p:cxnSp>
         <p:nvCxnSpPr>
-          <p:cNvPr id="116" name="Straight Arrow Connector 115">
-            <a:extLst>
-              <a:ext uri="{FF2B5EF4-FFF2-40B4-BE49-F238E27FC236}">
-                <a16:creationId xmlns:a16="http://schemas.microsoft.com/office/drawing/2014/main" xmlns="" id="{6083C776-6A9C-4D80-89B3-70F14D6837B4}"/>
-              </a:ext>
-            </a:extLst>
-          </p:cNvPr>
-          <p:cNvCxnSpPr>
-            <a:cxnSpLocks/>
-          </p:cNvCxnSpPr>
+          <p:cNvPr id="19" name="Straight Arrow Connector 18"/>
+          <p:cNvCxnSpPr/>
           <p:nvPr/>
         </p:nvCxnSpPr>
         <p:spPr>
-          <a:xfrm>
-            <a:off x="9294737" y="1713930"/>
-            <a:ext cx="0" cy="1558523"/>
+          <a:xfrm flipV="1">
+            <a:off x="2155964" y="4374393"/>
+            <a:ext cx="286090" cy="2"/>
           </a:xfrm>
           <a:prstGeom prst="straightConnector1">
             <a:avLst/>
@@ -4334,20 +4541,14 @@
       </p:cxnSp>
       <p:sp>
         <p:nvSpPr>
-          <p:cNvPr id="119" name="TextBox 118">
-            <a:extLst>
-              <a:ext uri="{FF2B5EF4-FFF2-40B4-BE49-F238E27FC236}">
-                <a16:creationId xmlns:a16="http://schemas.microsoft.com/office/drawing/2014/main" xmlns="" id="{BD6AA7CF-AE54-4B93-AFF5-773244FFCBAF}"/>
-              </a:ext>
-            </a:extLst>
-          </p:cNvPr>
+          <p:cNvPr id="24" name="TextBox 23"/>
           <p:cNvSpPr txBox="1"/>
           <p:nvPr/>
         </p:nvSpPr>
         <p:spPr>
           <a:xfrm>
-            <a:off x="5215841" y="195208"/>
-            <a:ext cx="3831771" cy="584775"/>
+            <a:off x="1789932" y="3693797"/>
+            <a:ext cx="461986" cy="369332"/>
           </a:xfrm>
           <a:prstGeom prst="rect">
             <a:avLst/>
@@ -4355,31 +4556,43 @@
           <a:noFill/>
         </p:spPr>
         <p:txBody>
-          <a:bodyPr wrap="square" rtlCol="0">
+          <a:bodyPr wrap="none" rtlCol="0">
             <a:spAutoFit/>
           </a:bodyPr>
           <a:lstStyle/>
           <a:p>
             <a:r>
-              <a:rPr lang="en-IN" sz="3200" u="sng" dirty="0">
-                <a:latin typeface="Arial" panose="020B0604020202020204" pitchFamily="34" charset="0"/>
-                <a:cs typeface="Arial" panose="020B0604020202020204" pitchFamily="34" charset="0"/>
-              </a:rPr>
-              <a:t>Plan of Action</a:t>
-            </a:r>
-          </a:p>
-        </p:txBody>
-      </p:sp>
-      <p:sp>
-        <p:nvSpPr>
-          <p:cNvPr id="2" name="Rectangle 1"/>
-          <p:cNvSpPr/>
+              <a:rPr lang="en-IN" dirty="0" smtClean="0"/>
+              <a:t>OR</a:t>
+            </a:r>
+            <a:endParaRPr lang="en-IN" dirty="0"/>
+          </a:p>
+        </p:txBody>
+      </p:sp>
+      <p:pic>
+        <p:nvPicPr>
+          <p:cNvPr id="53" name="Picture 52">
+            <a:extLst>
+              <a:ext uri="{FF2B5EF4-FFF2-40B4-BE49-F238E27FC236}">
+                <a16:creationId xmlns="" xmlns:a16="http://schemas.microsoft.com/office/drawing/2014/main" id="{81AE3B45-17AD-45FA-ABEA-2B3062664E8C}"/>
+              </a:ext>
+            </a:extLst>
+          </p:cNvPr>
+          <p:cNvPicPr>
+            <a:picLocks noChangeAspect="1"/>
+          </p:cNvPicPr>
           <p:nvPr/>
-        </p:nvSpPr>
-        <p:spPr>
-          <a:xfrm>
-            <a:off x="381000" y="6324600"/>
-            <a:ext cx="495300" cy="355600"/>
+        </p:nvPicPr>
+        <p:blipFill>
+          <a:blip r:embed="rId3"/>
+          <a:stretch>
+            <a:fillRect/>
+          </a:stretch>
+        </p:blipFill>
+        <p:spPr>
+          <a:xfrm>
+            <a:off x="2473756" y="3911057"/>
+            <a:ext cx="1499746" cy="926672"/>
           </a:xfrm>
           <a:prstGeom prst="rect">
             <a:avLst/>
@@ -4388,41 +4601,17 @@
             <a:schemeClr val="accent6"/>
           </a:solidFill>
         </p:spPr>
-        <p:style>
-          <a:lnRef idx="2">
-            <a:schemeClr val="accent1">
-              <a:shade val="50000"/>
-            </a:schemeClr>
-          </a:lnRef>
-          <a:fillRef idx="1">
-            <a:schemeClr val="accent1"/>
-          </a:fillRef>
-          <a:effectRef idx="0">
-            <a:schemeClr val="accent1"/>
-          </a:effectRef>
-          <a:fontRef idx="minor">
-            <a:schemeClr val="lt1"/>
-          </a:fontRef>
-        </p:style>
-        <p:txBody>
-          <a:bodyPr rtlCol="0" anchor="ctr"/>
-          <a:lstStyle/>
-          <a:p>
-            <a:pPr algn="ctr"/>
-            <a:endParaRPr lang="en-IN"/>
-          </a:p>
-        </p:txBody>
-      </p:sp>
-      <p:sp>
-        <p:nvSpPr>
-          <p:cNvPr id="3" name="TextBox 2"/>
+      </p:pic>
+      <p:sp>
+        <p:nvSpPr>
+          <p:cNvPr id="27" name="TextBox 26"/>
           <p:cNvSpPr txBox="1"/>
           <p:nvPr/>
         </p:nvSpPr>
         <p:spPr>
           <a:xfrm>
-            <a:off x="1028700" y="6324600"/>
-            <a:ext cx="1117600" cy="369332"/>
+            <a:off x="2552896" y="3936024"/>
+            <a:ext cx="1518668" cy="923330"/>
           </a:xfrm>
           <a:prstGeom prst="rect">
             <a:avLst/>
@@ -4437,22 +4626,36 @@
           <a:p>
             <a:r>
               <a:rPr lang="en-IN" dirty="0" smtClean="0"/>
-              <a:t>= Done</a:t>
+              <a:t>IMU Reading using Controller</a:t>
             </a:r>
             <a:endParaRPr lang="en-IN" dirty="0"/>
           </a:p>
         </p:txBody>
       </p:sp>
-      <p:sp>
-        <p:nvSpPr>
-          <p:cNvPr id="32" name="Rectangle 31"/>
-          <p:cNvSpPr/>
+      <p:pic>
+        <p:nvPicPr>
+          <p:cNvPr id="55" name="Picture 54">
+            <a:extLst>
+              <a:ext uri="{FF2B5EF4-FFF2-40B4-BE49-F238E27FC236}">
+                <a16:creationId xmlns="" xmlns:a16="http://schemas.microsoft.com/office/drawing/2014/main" id="{81AE3B45-17AD-45FA-ABEA-2B3062664E8C}"/>
+              </a:ext>
+            </a:extLst>
+          </p:cNvPr>
+          <p:cNvPicPr>
+            <a:picLocks noChangeAspect="1"/>
+          </p:cNvPicPr>
           <p:nvPr/>
-        </p:nvSpPr>
-        <p:spPr>
-          <a:xfrm>
-            <a:off x="2057596" y="6324600"/>
-            <a:ext cx="495300" cy="355600"/>
+        </p:nvPicPr>
+        <p:blipFill>
+          <a:blip r:embed="rId3"/>
+          <a:stretch>
+            <a:fillRect/>
+          </a:stretch>
+        </p:blipFill>
+        <p:spPr>
+          <a:xfrm>
+            <a:off x="7368910" y="3956501"/>
+            <a:ext cx="1499746" cy="926672"/>
           </a:xfrm>
           <a:prstGeom prst="rect">
             <a:avLst/>
@@ -4461,41 +4664,17 @@
             <a:schemeClr val="accent4"/>
           </a:solidFill>
         </p:spPr>
-        <p:style>
-          <a:lnRef idx="2">
-            <a:schemeClr val="accent1">
-              <a:shade val="50000"/>
-            </a:schemeClr>
-          </a:lnRef>
-          <a:fillRef idx="1">
-            <a:schemeClr val="accent1"/>
-          </a:fillRef>
-          <a:effectRef idx="0">
-            <a:schemeClr val="accent1"/>
-          </a:effectRef>
-          <a:fontRef idx="minor">
-            <a:schemeClr val="lt1"/>
-          </a:fontRef>
-        </p:style>
-        <p:txBody>
-          <a:bodyPr rtlCol="0" anchor="ctr"/>
-          <a:lstStyle/>
-          <a:p>
-            <a:pPr algn="ctr"/>
-            <a:endParaRPr lang="en-IN"/>
-          </a:p>
-        </p:txBody>
-      </p:sp>
-      <p:sp>
-        <p:nvSpPr>
-          <p:cNvPr id="33" name="TextBox 32"/>
+      </p:pic>
+      <p:sp>
+        <p:nvSpPr>
+          <p:cNvPr id="28" name="TextBox 27"/>
           <p:cNvSpPr txBox="1"/>
           <p:nvPr/>
         </p:nvSpPr>
         <p:spPr>
           <a:xfrm>
-            <a:off x="2667615" y="6324600"/>
-            <a:ext cx="1117600" cy="369332"/>
+            <a:off x="10954953" y="4096671"/>
+            <a:ext cx="1417396" cy="646331"/>
           </a:xfrm>
           <a:prstGeom prst="rect">
             <a:avLst/>
@@ -4510,7 +4689,390 @@
           <a:p>
             <a:r>
               <a:rPr lang="en-IN" dirty="0" smtClean="0"/>
-              <a:t>= Doing</a:t>
+              <a:t>Controller</a:t>
+            </a:r>
+          </a:p>
+          <a:p>
+            <a:r>
+              <a:rPr lang="en-IN" dirty="0" smtClean="0"/>
+              <a:t>(Arduino)</a:t>
+            </a:r>
+            <a:endParaRPr lang="en-IN" dirty="0"/>
+          </a:p>
+        </p:txBody>
+      </p:sp>
+      <p:pic>
+        <p:nvPicPr>
+          <p:cNvPr id="59" name="Picture 58">
+            <a:extLst>
+              <a:ext uri="{FF2B5EF4-FFF2-40B4-BE49-F238E27FC236}">
+                <a16:creationId xmlns="" xmlns:a16="http://schemas.microsoft.com/office/drawing/2014/main" id="{81AE3B45-17AD-45FA-ABEA-2B3062664E8C}"/>
+              </a:ext>
+            </a:extLst>
+          </p:cNvPr>
+          <p:cNvPicPr>
+            <a:picLocks noChangeAspect="1"/>
+          </p:cNvPicPr>
+          <p:nvPr/>
+        </p:nvPicPr>
+        <p:blipFill>
+          <a:blip r:embed="rId3"/>
+          <a:stretch>
+            <a:fillRect/>
+          </a:stretch>
+        </p:blipFill>
+        <p:spPr>
+          <a:xfrm>
+            <a:off x="4885314" y="3994619"/>
+            <a:ext cx="1499746" cy="926672"/>
+          </a:xfrm>
+          <a:prstGeom prst="rect">
+            <a:avLst/>
+          </a:prstGeom>
+        </p:spPr>
+      </p:pic>
+      <p:sp>
+        <p:nvSpPr>
+          <p:cNvPr id="60" name="TextBox 59">
+            <a:extLst>
+              <a:ext uri="{FF2B5EF4-FFF2-40B4-BE49-F238E27FC236}">
+                <a16:creationId xmlns="" xmlns:a16="http://schemas.microsoft.com/office/drawing/2014/main" id="{39D00166-C179-4BD5-B773-877AFD617482}"/>
+              </a:ext>
+            </a:extLst>
+          </p:cNvPr>
+          <p:cNvSpPr txBox="1"/>
+          <p:nvPr/>
+        </p:nvSpPr>
+        <p:spPr>
+          <a:xfrm>
+            <a:off x="4948953" y="3979069"/>
+            <a:ext cx="1499742" cy="923330"/>
+          </a:xfrm>
+          <a:prstGeom prst="rect">
+            <a:avLst/>
+          </a:prstGeom>
+          <a:noFill/>
+        </p:spPr>
+        <p:txBody>
+          <a:bodyPr wrap="square" rtlCol="0">
+            <a:spAutoFit/>
+          </a:bodyPr>
+          <a:lstStyle/>
+          <a:p>
+            <a:r>
+              <a:rPr lang="en-IN" dirty="0"/>
+              <a:t>Filter IMU reading (Calibration)</a:t>
+            </a:r>
+          </a:p>
+        </p:txBody>
+      </p:sp>
+      <p:sp>
+        <p:nvSpPr>
+          <p:cNvPr id="62" name="TextBox 61">
+            <a:extLst>
+              <a:ext uri="{FF2B5EF4-FFF2-40B4-BE49-F238E27FC236}">
+                <a16:creationId xmlns="" xmlns:a16="http://schemas.microsoft.com/office/drawing/2014/main" id="{12CF93FC-3C22-4FD4-9662-556A6281A36D}"/>
+              </a:ext>
+            </a:extLst>
+          </p:cNvPr>
+          <p:cNvSpPr txBox="1"/>
+          <p:nvPr/>
+        </p:nvSpPr>
+        <p:spPr>
+          <a:xfrm>
+            <a:off x="7619853" y="4025308"/>
+            <a:ext cx="1499740" cy="646331"/>
+          </a:xfrm>
+          <a:prstGeom prst="rect">
+            <a:avLst/>
+          </a:prstGeom>
+          <a:noFill/>
+        </p:spPr>
+        <p:txBody>
+          <a:bodyPr wrap="square" rtlCol="0">
+            <a:spAutoFit/>
+          </a:bodyPr>
+          <a:lstStyle/>
+          <a:p>
+            <a:r>
+              <a:rPr lang="en-IN" dirty="0"/>
+              <a:t>Control Motors</a:t>
+            </a:r>
+          </a:p>
+        </p:txBody>
+      </p:sp>
+      <p:cxnSp>
+        <p:nvCxnSpPr>
+          <p:cNvPr id="67" name="Straight Arrow Connector 66">
+            <a:extLst>
+              <a:ext uri="{FF2B5EF4-FFF2-40B4-BE49-F238E27FC236}">
+                <a16:creationId xmlns="" xmlns:a16="http://schemas.microsoft.com/office/drawing/2014/main" id="{A22960A6-C008-498A-869C-9DBC5FAA2E35}"/>
+              </a:ext>
+            </a:extLst>
+          </p:cNvPr>
+          <p:cNvCxnSpPr>
+            <a:cxnSpLocks/>
+          </p:cNvCxnSpPr>
+          <p:nvPr/>
+        </p:nvCxnSpPr>
+        <p:spPr>
+          <a:xfrm>
+            <a:off x="3962544" y="3280303"/>
+            <a:ext cx="922770" cy="14037"/>
+          </a:xfrm>
+          <a:prstGeom prst="straightConnector1">
+            <a:avLst/>
+          </a:prstGeom>
+          <a:ln>
+            <a:tailEnd type="triangle"/>
+          </a:ln>
+        </p:spPr>
+        <p:style>
+          <a:lnRef idx="1">
+            <a:schemeClr val="accent1"/>
+          </a:lnRef>
+          <a:fillRef idx="0">
+            <a:schemeClr val="accent1"/>
+          </a:fillRef>
+          <a:effectRef idx="0">
+            <a:schemeClr val="accent1"/>
+          </a:effectRef>
+          <a:fontRef idx="minor">
+            <a:schemeClr val="tx1"/>
+          </a:fontRef>
+        </p:style>
+      </p:cxnSp>
+      <p:cxnSp>
+        <p:nvCxnSpPr>
+          <p:cNvPr id="68" name="Straight Arrow Connector 67"/>
+          <p:cNvCxnSpPr/>
+          <p:nvPr/>
+        </p:nvCxnSpPr>
+        <p:spPr>
+          <a:xfrm>
+            <a:off x="3999968" y="4409185"/>
+            <a:ext cx="859135" cy="1"/>
+          </a:xfrm>
+          <a:prstGeom prst="straightConnector1">
+            <a:avLst/>
+          </a:prstGeom>
+          <a:ln>
+            <a:solidFill>
+              <a:schemeClr val="accent1"/>
+            </a:solidFill>
+            <a:tailEnd type="triangle"/>
+          </a:ln>
+        </p:spPr>
+        <p:style>
+          <a:lnRef idx="1">
+            <a:schemeClr val="accent1"/>
+          </a:lnRef>
+          <a:fillRef idx="0">
+            <a:schemeClr val="accent1"/>
+          </a:fillRef>
+          <a:effectRef idx="0">
+            <a:schemeClr val="accent1"/>
+          </a:effectRef>
+          <a:fontRef idx="minor">
+            <a:schemeClr val="tx1"/>
+          </a:fontRef>
+        </p:style>
+      </p:cxnSp>
+      <p:cxnSp>
+        <p:nvCxnSpPr>
+          <p:cNvPr id="76" name="Straight Arrow Connector 75">
+            <a:extLst>
+              <a:ext uri="{FF2B5EF4-FFF2-40B4-BE49-F238E27FC236}">
+                <a16:creationId xmlns="" xmlns:a16="http://schemas.microsoft.com/office/drawing/2014/main" id="{056A7D3B-DE38-4F2D-A47F-77450EC8CB2D}"/>
+              </a:ext>
+            </a:extLst>
+          </p:cNvPr>
+          <p:cNvCxnSpPr>
+            <a:cxnSpLocks/>
+          </p:cNvCxnSpPr>
+          <p:nvPr/>
+        </p:nvCxnSpPr>
+        <p:spPr>
+          <a:xfrm>
+            <a:off x="6401810" y="4410697"/>
+            <a:ext cx="968139" cy="18278"/>
+          </a:xfrm>
+          <a:prstGeom prst="straightConnector1">
+            <a:avLst/>
+          </a:prstGeom>
+          <a:ln>
+            <a:tailEnd type="triangle"/>
+          </a:ln>
+        </p:spPr>
+        <p:style>
+          <a:lnRef idx="1">
+            <a:schemeClr val="accent1"/>
+          </a:lnRef>
+          <a:fillRef idx="0">
+            <a:schemeClr val="accent1"/>
+          </a:fillRef>
+          <a:effectRef idx="0">
+            <a:schemeClr val="accent1"/>
+          </a:effectRef>
+          <a:fontRef idx="minor">
+            <a:schemeClr val="tx1"/>
+          </a:fontRef>
+        </p:style>
+      </p:cxnSp>
+      <p:cxnSp>
+        <p:nvCxnSpPr>
+          <p:cNvPr id="52" name="Elbow Connector 51"/>
+          <p:cNvCxnSpPr/>
+          <p:nvPr/>
+        </p:nvCxnSpPr>
+        <p:spPr>
+          <a:xfrm>
+            <a:off x="9294737" y="1713930"/>
+            <a:ext cx="1528333" cy="1111526"/>
+          </a:xfrm>
+          <a:prstGeom prst="bentConnector3">
+            <a:avLst/>
+          </a:prstGeom>
+          <a:ln>
+            <a:tailEnd type="triangle"/>
+          </a:ln>
+        </p:spPr>
+        <p:style>
+          <a:lnRef idx="1">
+            <a:schemeClr val="accent1"/>
+          </a:lnRef>
+          <a:fillRef idx="0">
+            <a:schemeClr val="accent1"/>
+          </a:fillRef>
+          <a:effectRef idx="0">
+            <a:schemeClr val="accent1"/>
+          </a:effectRef>
+          <a:fontRef idx="minor">
+            <a:schemeClr val="tx1"/>
+          </a:fontRef>
+        </p:style>
+      </p:cxnSp>
+      <p:cxnSp>
+        <p:nvCxnSpPr>
+          <p:cNvPr id="56" name="Straight Arrow Connector 55"/>
+          <p:cNvCxnSpPr/>
+          <p:nvPr/>
+        </p:nvCxnSpPr>
+        <p:spPr>
+          <a:xfrm>
+            <a:off x="8868656" y="4428975"/>
+            <a:ext cx="1190247" cy="28980"/>
+          </a:xfrm>
+          <a:prstGeom prst="straightConnector1">
+            <a:avLst/>
+          </a:prstGeom>
+          <a:ln>
+            <a:tailEnd type="triangle"/>
+          </a:ln>
+        </p:spPr>
+        <p:style>
+          <a:lnRef idx="1">
+            <a:schemeClr val="accent1"/>
+          </a:lnRef>
+          <a:fillRef idx="0">
+            <a:schemeClr val="accent1"/>
+          </a:fillRef>
+          <a:effectRef idx="0">
+            <a:schemeClr val="accent1"/>
+          </a:effectRef>
+          <a:fontRef idx="minor">
+            <a:schemeClr val="tx1"/>
+          </a:fontRef>
+        </p:style>
+      </p:cxnSp>
+      <p:cxnSp>
+        <p:nvCxnSpPr>
+          <p:cNvPr id="70" name="Straight Arrow Connector 69"/>
+          <p:cNvCxnSpPr/>
+          <p:nvPr/>
+        </p:nvCxnSpPr>
+        <p:spPr>
+          <a:xfrm flipV="1">
+            <a:off x="10058903" y="3287321"/>
+            <a:ext cx="0" cy="1170634"/>
+          </a:xfrm>
+          <a:prstGeom prst="straightConnector1">
+            <a:avLst/>
+          </a:prstGeom>
+          <a:ln>
+            <a:tailEnd type="triangle"/>
+          </a:ln>
+        </p:spPr>
+        <p:style>
+          <a:lnRef idx="1">
+            <a:schemeClr val="accent1"/>
+          </a:lnRef>
+          <a:fillRef idx="0">
+            <a:schemeClr val="accent1"/>
+          </a:fillRef>
+          <a:effectRef idx="0">
+            <a:schemeClr val="accent1"/>
+          </a:effectRef>
+          <a:fontRef idx="minor">
+            <a:schemeClr val="tx1"/>
+          </a:fontRef>
+        </p:style>
+      </p:cxnSp>
+      <p:sp>
+        <p:nvSpPr>
+          <p:cNvPr id="73" name="TextBox 72"/>
+          <p:cNvSpPr txBox="1"/>
+          <p:nvPr/>
+        </p:nvSpPr>
+        <p:spPr>
+          <a:xfrm>
+            <a:off x="10309500" y="545435"/>
+            <a:ext cx="1624145" cy="923330"/>
+          </a:xfrm>
+          <a:prstGeom prst="rect">
+            <a:avLst/>
+          </a:prstGeom>
+          <a:noFill/>
+        </p:spPr>
+        <p:txBody>
+          <a:bodyPr wrap="square" rtlCol="0">
+            <a:spAutoFit/>
+          </a:bodyPr>
+          <a:lstStyle/>
+          <a:p>
+            <a:r>
+              <a:rPr lang="en-IN" dirty="0" smtClean="0"/>
+              <a:t>Static walking on uneven surface</a:t>
+            </a:r>
+            <a:endParaRPr lang="en-IN" dirty="0"/>
+          </a:p>
+        </p:txBody>
+      </p:sp>
+      <p:sp>
+        <p:nvSpPr>
+          <p:cNvPr id="75" name="TextBox 74"/>
+          <p:cNvSpPr txBox="1"/>
+          <p:nvPr/>
+        </p:nvSpPr>
+        <p:spPr>
+          <a:xfrm>
+            <a:off x="583432" y="210572"/>
+            <a:ext cx="1206500" cy="1200329"/>
+          </a:xfrm>
+          <a:prstGeom prst="rect">
+            <a:avLst/>
+          </a:prstGeom>
+          <a:noFill/>
+        </p:spPr>
+        <p:txBody>
+          <a:bodyPr wrap="square" rtlCol="0">
+            <a:spAutoFit/>
+          </a:bodyPr>
+          <a:lstStyle/>
+          <a:p>
+            <a:r>
+              <a:rPr lang="en-IN" dirty="0" smtClean="0"/>
+              <a:t>Static walking on flat surface</a:t>
             </a:r>
             <a:endParaRPr lang="en-IN" dirty="0"/>
           </a:p>
